--- a/lectures/13_Numeric_Problems/old_work/Class_13_Numerical_Problems.pptx
+++ b/lectures/13_Numeric_Problems/old_work/Class_13_Numerical_Problems.pptx
@@ -1548,6 +1548,574 @@
       </pc:sldChg>
     </pc:docChg>
   </pc:docChgLst>
+  <pc:docChgLst>
+    <pc:chgData name="Nicky Wakim" userId="63a62853-8dd4-431b-8872-ecc2181a70d8" providerId="ADAL" clId="{5282101C-1C8C-3743-B575-F0CFAF972F13}"/>
+    <pc:docChg chg="undo redo custSel modSld">
+      <pc:chgData name="Nicky Wakim" userId="63a62853-8dd4-431b-8872-ecc2181a70d8" providerId="ADAL" clId="{5282101C-1C8C-3743-B575-F0CFAF972F13}" dt="2024-05-15T00:39:47.541" v="104" actId="2711"/>
+      <pc:docMkLst>
+        <pc:docMk/>
+      </pc:docMkLst>
+      <pc:sldChg chg="modSp mod">
+        <pc:chgData name="Nicky Wakim" userId="63a62853-8dd4-431b-8872-ecc2181a70d8" providerId="ADAL" clId="{5282101C-1C8C-3743-B575-F0CFAF972F13}" dt="2024-05-14T20:31:37.347" v="31" actId="5736"/>
+        <pc:sldMkLst>
+          <pc:docMk/>
+          <pc:sldMk cId="184404774" sldId="338"/>
+        </pc:sldMkLst>
+        <pc:graphicFrameChg chg="mod modGraphic">
+          <ac:chgData name="Nicky Wakim" userId="63a62853-8dd4-431b-8872-ecc2181a70d8" providerId="ADAL" clId="{5282101C-1C8C-3743-B575-F0CFAF972F13}" dt="2024-05-14T20:31:37.347" v="31" actId="5736"/>
+          <ac:graphicFrameMkLst>
+            <pc:docMk/>
+            <pc:sldMk cId="184404774" sldId="338"/>
+            <ac:graphicFrameMk id="13" creationId="{4282186C-2D75-AD70-6F81-D15DF1D0775A}"/>
+          </ac:graphicFrameMkLst>
+        </pc:graphicFrameChg>
+      </pc:sldChg>
+      <pc:sldChg chg="modSp mod">
+        <pc:chgData name="Nicky Wakim" userId="63a62853-8dd4-431b-8872-ecc2181a70d8" providerId="ADAL" clId="{5282101C-1C8C-3743-B575-F0CFAF972F13}" dt="2024-05-14T20:48:57.500" v="33" actId="20577"/>
+        <pc:sldMkLst>
+          <pc:docMk/>
+          <pc:sldMk cId="2926135059" sldId="341"/>
+        </pc:sldMkLst>
+        <pc:spChg chg="mod">
+          <ac:chgData name="Nicky Wakim" userId="63a62853-8dd4-431b-8872-ecc2181a70d8" providerId="ADAL" clId="{5282101C-1C8C-3743-B575-F0CFAF972F13}" dt="2024-05-14T20:48:57.500" v="33" actId="20577"/>
+          <ac:spMkLst>
+            <pc:docMk/>
+            <pc:sldMk cId="2926135059" sldId="341"/>
+            <ac:spMk id="2" creationId="{00000000-0000-0000-0000-000000000000}"/>
+          </ac:spMkLst>
+        </pc:spChg>
+      </pc:sldChg>
+      <pc:sldChg chg="modSp mod">
+        <pc:chgData name="Nicky Wakim" userId="63a62853-8dd4-431b-8872-ecc2181a70d8" providerId="ADAL" clId="{5282101C-1C8C-3743-B575-F0CFAF972F13}" dt="2024-05-15T00:17:15.338" v="36" actId="1076"/>
+        <pc:sldMkLst>
+          <pc:docMk/>
+          <pc:sldMk cId="121820440" sldId="342"/>
+        </pc:sldMkLst>
+        <pc:picChg chg="mod">
+          <ac:chgData name="Nicky Wakim" userId="63a62853-8dd4-431b-8872-ecc2181a70d8" providerId="ADAL" clId="{5282101C-1C8C-3743-B575-F0CFAF972F13}" dt="2024-05-15T00:17:15.338" v="36" actId="1076"/>
+          <ac:picMkLst>
+            <pc:docMk/>
+            <pc:sldMk cId="121820440" sldId="342"/>
+            <ac:picMk id="9" creationId="{915AA92F-BCA3-CFDE-CD94-FEF2B895047E}"/>
+          </ac:picMkLst>
+        </pc:picChg>
+      </pc:sldChg>
+      <pc:sldChg chg="addSp delSp modSp mod">
+        <pc:chgData name="Nicky Wakim" userId="63a62853-8dd4-431b-8872-ecc2181a70d8" providerId="ADAL" clId="{5282101C-1C8C-3743-B575-F0CFAF972F13}" dt="2024-05-15T00:39:47.541" v="104" actId="2711"/>
+        <pc:sldMkLst>
+          <pc:docMk/>
+          <pc:sldMk cId="1848623804" sldId="366"/>
+        </pc:sldMkLst>
+        <pc:spChg chg="mod">
+          <ac:chgData name="Nicky Wakim" userId="63a62853-8dd4-431b-8872-ecc2181a70d8" providerId="ADAL" clId="{5282101C-1C8C-3743-B575-F0CFAF972F13}" dt="2024-05-15T00:39:47.541" v="104" actId="2711"/>
+          <ac:spMkLst>
+            <pc:docMk/>
+            <pc:sldMk cId="1848623804" sldId="366"/>
+            <ac:spMk id="7" creationId="{FAD20DE1-D5DF-0077-27CF-C55545E37D43}"/>
+          </ac:spMkLst>
+        </pc:spChg>
+        <pc:spChg chg="mod">
+          <ac:chgData name="Nicky Wakim" userId="63a62853-8dd4-431b-8872-ecc2181a70d8" providerId="ADAL" clId="{5282101C-1C8C-3743-B575-F0CFAF972F13}" dt="2024-05-15T00:39:47.541" v="104" actId="2711"/>
+          <ac:spMkLst>
+            <pc:docMk/>
+            <pc:sldMk cId="1848623804" sldId="366"/>
+            <ac:spMk id="9" creationId="{AE77CC13-90D9-C3B3-13A4-3C4B898C61E5}"/>
+          </ac:spMkLst>
+        </pc:spChg>
+        <pc:spChg chg="mod">
+          <ac:chgData name="Nicky Wakim" userId="63a62853-8dd4-431b-8872-ecc2181a70d8" providerId="ADAL" clId="{5282101C-1C8C-3743-B575-F0CFAF972F13}" dt="2024-05-15T00:39:47.541" v="104" actId="2711"/>
+          <ac:spMkLst>
+            <pc:docMk/>
+            <pc:sldMk cId="1848623804" sldId="366"/>
+            <ac:spMk id="11" creationId="{B738B105-2F68-9CF3-044C-1A365DFDC74C}"/>
+          </ac:spMkLst>
+        </pc:spChg>
+        <pc:spChg chg="mod">
+          <ac:chgData name="Nicky Wakim" userId="63a62853-8dd4-431b-8872-ecc2181a70d8" providerId="ADAL" clId="{5282101C-1C8C-3743-B575-F0CFAF972F13}" dt="2024-05-15T00:39:47.541" v="104" actId="2711"/>
+          <ac:spMkLst>
+            <pc:docMk/>
+            <pc:sldMk cId="1848623804" sldId="366"/>
+            <ac:spMk id="12" creationId="{A4D7E1BE-B825-C10B-A5DC-0A9E9C6ECA01}"/>
+          </ac:spMkLst>
+        </pc:spChg>
+        <pc:spChg chg="mod">
+          <ac:chgData name="Nicky Wakim" userId="63a62853-8dd4-431b-8872-ecc2181a70d8" providerId="ADAL" clId="{5282101C-1C8C-3743-B575-F0CFAF972F13}" dt="2024-05-15T00:38:12.161" v="98" actId="164"/>
+          <ac:spMkLst>
+            <pc:docMk/>
+            <pc:sldMk cId="1848623804" sldId="366"/>
+            <ac:spMk id="16" creationId="{1919CBF0-B20E-C585-E856-11FF290D3217}"/>
+          </ac:spMkLst>
+        </pc:spChg>
+        <pc:spChg chg="mod">
+          <ac:chgData name="Nicky Wakim" userId="63a62853-8dd4-431b-8872-ecc2181a70d8" providerId="ADAL" clId="{5282101C-1C8C-3743-B575-F0CFAF972F13}" dt="2024-05-15T00:38:12.161" v="98" actId="164"/>
+          <ac:spMkLst>
+            <pc:docMk/>
+            <pc:sldMk cId="1848623804" sldId="366"/>
+            <ac:spMk id="17" creationId="{69252659-6569-1359-8543-50BE2E398867}"/>
+          </ac:spMkLst>
+        </pc:spChg>
+        <pc:spChg chg="mod">
+          <ac:chgData name="Nicky Wakim" userId="63a62853-8dd4-431b-8872-ecc2181a70d8" providerId="ADAL" clId="{5282101C-1C8C-3743-B575-F0CFAF972F13}" dt="2024-05-15T00:38:12.161" v="98" actId="164"/>
+          <ac:spMkLst>
+            <pc:docMk/>
+            <pc:sldMk cId="1848623804" sldId="366"/>
+            <ac:spMk id="18" creationId="{2E2C4E31-B3F3-A473-08CA-F9A42E5A66E2}"/>
+          </ac:spMkLst>
+        </pc:spChg>
+        <pc:spChg chg="mod">
+          <ac:chgData name="Nicky Wakim" userId="63a62853-8dd4-431b-8872-ecc2181a70d8" providerId="ADAL" clId="{5282101C-1C8C-3743-B575-F0CFAF972F13}" dt="2024-05-15T00:38:12.161" v="98" actId="164"/>
+          <ac:spMkLst>
+            <pc:docMk/>
+            <pc:sldMk cId="1848623804" sldId="366"/>
+            <ac:spMk id="19" creationId="{F278F139-65CA-71E1-D52E-30690AF8D5E1}"/>
+          </ac:spMkLst>
+        </pc:spChg>
+        <pc:spChg chg="add del mod">
+          <ac:chgData name="Nicky Wakim" userId="63a62853-8dd4-431b-8872-ecc2181a70d8" providerId="ADAL" clId="{5282101C-1C8C-3743-B575-F0CFAF972F13}" dt="2024-05-15T00:27:55.752" v="43"/>
+          <ac:spMkLst>
+            <pc:docMk/>
+            <pc:sldMk cId="1848623804" sldId="366"/>
+            <ac:spMk id="20" creationId="{74D64097-3791-86CD-FDC2-EBD1F88A9CEA}"/>
+          </ac:spMkLst>
+        </pc:spChg>
+        <pc:spChg chg="add mod">
+          <ac:chgData name="Nicky Wakim" userId="63a62853-8dd4-431b-8872-ecc2181a70d8" providerId="ADAL" clId="{5282101C-1C8C-3743-B575-F0CFAF972F13}" dt="2024-05-15T00:39:47.541" v="104" actId="2711"/>
+          <ac:spMkLst>
+            <pc:docMk/>
+            <pc:sldMk cId="1848623804" sldId="366"/>
+            <ac:spMk id="21" creationId="{5C2454ED-9994-3FA5-BFB5-7E2B465EDAFE}"/>
+          </ac:spMkLst>
+        </pc:spChg>
+        <pc:spChg chg="add mod">
+          <ac:chgData name="Nicky Wakim" userId="63a62853-8dd4-431b-8872-ecc2181a70d8" providerId="ADAL" clId="{5282101C-1C8C-3743-B575-F0CFAF972F13}" dt="2024-05-15T00:39:47.541" v="104" actId="2711"/>
+          <ac:spMkLst>
+            <pc:docMk/>
+            <pc:sldMk cId="1848623804" sldId="366"/>
+            <ac:spMk id="22" creationId="{6D96C051-6928-EB3D-D19B-E40439D748D2}"/>
+          </ac:spMkLst>
+        </pc:spChg>
+        <pc:spChg chg="add mod">
+          <ac:chgData name="Nicky Wakim" userId="63a62853-8dd4-431b-8872-ecc2181a70d8" providerId="ADAL" clId="{5282101C-1C8C-3743-B575-F0CFAF972F13}" dt="2024-05-15T00:39:47.541" v="104" actId="2711"/>
+          <ac:spMkLst>
+            <pc:docMk/>
+            <pc:sldMk cId="1848623804" sldId="366"/>
+            <ac:spMk id="23" creationId="{82700F5A-CAC5-F394-7812-910999B9424B}"/>
+          </ac:spMkLst>
+        </pc:spChg>
+        <pc:spChg chg="add mod">
+          <ac:chgData name="Nicky Wakim" userId="63a62853-8dd4-431b-8872-ecc2181a70d8" providerId="ADAL" clId="{5282101C-1C8C-3743-B575-F0CFAF972F13}" dt="2024-05-15T00:38:34.664" v="101" actId="167"/>
+          <ac:spMkLst>
+            <pc:docMk/>
+            <pc:sldMk cId="1848623804" sldId="366"/>
+            <ac:spMk id="25" creationId="{5F90A3A0-14F8-D670-CFA1-CD1268E7E8B6}"/>
+          </ac:spMkLst>
+        </pc:spChg>
+        <pc:spChg chg="add mod">
+          <ac:chgData name="Nicky Wakim" userId="63a62853-8dd4-431b-8872-ecc2181a70d8" providerId="ADAL" clId="{5282101C-1C8C-3743-B575-F0CFAF972F13}" dt="2024-05-15T00:38:34.664" v="101" actId="167"/>
+          <ac:spMkLst>
+            <pc:docMk/>
+            <pc:sldMk cId="1848623804" sldId="366"/>
+            <ac:spMk id="26" creationId="{2A7C6F71-47A1-4C39-3A93-67A316F8B1D1}"/>
+          </ac:spMkLst>
+        </pc:spChg>
+        <pc:grpChg chg="add mod">
+          <ac:chgData name="Nicky Wakim" userId="63a62853-8dd4-431b-8872-ecc2181a70d8" providerId="ADAL" clId="{5282101C-1C8C-3743-B575-F0CFAF972F13}" dt="2024-05-15T00:38:12.161" v="98" actId="164"/>
+          <ac:grpSpMkLst>
+            <pc:docMk/>
+            <pc:sldMk cId="1848623804" sldId="366"/>
+            <ac:grpSpMk id="4" creationId="{0AABAE73-E516-06E0-74F1-A0A0B4D9927C}"/>
+          </ac:grpSpMkLst>
+        </pc:grpChg>
+        <pc:grpChg chg="mod">
+          <ac:chgData name="Nicky Wakim" userId="63a62853-8dd4-431b-8872-ecc2181a70d8" providerId="ADAL" clId="{5282101C-1C8C-3743-B575-F0CFAF972F13}" dt="2024-05-15T00:38:12.161" v="98" actId="164"/>
+          <ac:grpSpMkLst>
+            <pc:docMk/>
+            <pc:sldMk cId="1848623804" sldId="366"/>
+            <ac:grpSpMk id="5" creationId="{B9B35DA4-F670-2979-8623-66134B957DAC}"/>
+          </ac:grpSpMkLst>
+        </pc:grpChg>
+        <pc:grpChg chg="add mod">
+          <ac:chgData name="Nicky Wakim" userId="63a62853-8dd4-431b-8872-ecc2181a70d8" providerId="ADAL" clId="{5282101C-1C8C-3743-B575-F0CFAF972F13}" dt="2024-05-15T00:38:27.800" v="100" actId="164"/>
+          <ac:grpSpMkLst>
+            <pc:docMk/>
+            <pc:sldMk cId="1848623804" sldId="366"/>
+            <ac:grpSpMk id="24" creationId="{3681A8B6-3954-246F-9F10-BB4E577D201F}"/>
+          </ac:grpSpMkLst>
+        </pc:grpChg>
+        <pc:grpChg chg="add mod">
+          <ac:chgData name="Nicky Wakim" userId="63a62853-8dd4-431b-8872-ecc2181a70d8" providerId="ADAL" clId="{5282101C-1C8C-3743-B575-F0CFAF972F13}" dt="2024-05-15T00:38:12.161" v="98" actId="164"/>
+          <ac:grpSpMkLst>
+            <pc:docMk/>
+            <pc:sldMk cId="1848623804" sldId="366"/>
+            <ac:grpSpMk id="27" creationId="{3D8A12D4-2F4F-96FD-5781-15CB455C4B2A}"/>
+          </ac:grpSpMkLst>
+        </pc:grpChg>
+        <pc:grpChg chg="add mod">
+          <ac:chgData name="Nicky Wakim" userId="63a62853-8dd4-431b-8872-ecc2181a70d8" providerId="ADAL" clId="{5282101C-1C8C-3743-B575-F0CFAF972F13}" dt="2024-05-15T00:38:27.800" v="100" actId="164"/>
+          <ac:grpSpMkLst>
+            <pc:docMk/>
+            <pc:sldMk cId="1848623804" sldId="366"/>
+            <ac:grpSpMk id="28" creationId="{2494234E-A02C-7194-3803-4637AFF35F00}"/>
+          </ac:grpSpMkLst>
+        </pc:grpChg>
+        <pc:picChg chg="del">
+          <ac:chgData name="Nicky Wakim" userId="63a62853-8dd4-431b-8872-ecc2181a70d8" providerId="ADAL" clId="{5282101C-1C8C-3743-B575-F0CFAF972F13}" dt="2024-05-15T00:27:35.190" v="37" actId="478"/>
+          <ac:picMkLst>
+            <pc:docMk/>
+            <pc:sldMk cId="1848623804" sldId="366"/>
+            <ac:picMk id="14" creationId="{74A70ABA-6AD5-5BA6-3474-20C858503C2D}"/>
+          </ac:picMkLst>
+        </pc:picChg>
+        <pc:picChg chg="mod">
+          <ac:chgData name="Nicky Wakim" userId="63a62853-8dd4-431b-8872-ecc2181a70d8" providerId="ADAL" clId="{5282101C-1C8C-3743-B575-F0CFAF972F13}" dt="2024-05-15T00:38:12.161" v="98" actId="164"/>
+          <ac:picMkLst>
+            <pc:docMk/>
+            <pc:sldMk cId="1848623804" sldId="366"/>
+            <ac:picMk id="15" creationId="{3096AE53-D3B4-057B-207E-1367DBB32F60}"/>
+          </ac:picMkLst>
+        </pc:picChg>
+      </pc:sldChg>
+      <pc:sldChg chg="modSp mod">
+        <pc:chgData name="Nicky Wakim" userId="63a62853-8dd4-431b-8872-ecc2181a70d8" providerId="ADAL" clId="{5282101C-1C8C-3743-B575-F0CFAF972F13}" dt="2024-05-14T20:11:15.393" v="10" actId="14734"/>
+        <pc:sldMkLst>
+          <pc:docMk/>
+          <pc:sldMk cId="2390319470" sldId="508"/>
+        </pc:sldMkLst>
+        <pc:graphicFrameChg chg="modGraphic">
+          <ac:chgData name="Nicky Wakim" userId="63a62853-8dd4-431b-8872-ecc2181a70d8" providerId="ADAL" clId="{5282101C-1C8C-3743-B575-F0CFAF972F13}" dt="2024-05-14T20:11:15.393" v="10" actId="14734"/>
+          <ac:graphicFrameMkLst>
+            <pc:docMk/>
+            <pc:sldMk cId="2390319470" sldId="508"/>
+            <ac:graphicFrameMk id="13" creationId="{4282186C-2D75-AD70-6F81-D15DF1D0775A}"/>
+          </ac:graphicFrameMkLst>
+        </pc:graphicFrameChg>
+      </pc:sldChg>
+      <pc:sldChg chg="modSp mod">
+        <pc:chgData name="Nicky Wakim" userId="63a62853-8dd4-431b-8872-ecc2181a70d8" providerId="ADAL" clId="{5282101C-1C8C-3743-B575-F0CFAF972F13}" dt="2024-05-14T20:31:09.277" v="24" actId="5736"/>
+        <pc:sldMkLst>
+          <pc:docMk/>
+          <pc:sldMk cId="435488951" sldId="511"/>
+        </pc:sldMkLst>
+        <pc:graphicFrameChg chg="mod modGraphic">
+          <ac:chgData name="Nicky Wakim" userId="63a62853-8dd4-431b-8872-ecc2181a70d8" providerId="ADAL" clId="{5282101C-1C8C-3743-B575-F0CFAF972F13}" dt="2024-05-14T20:31:09.277" v="24" actId="5736"/>
+          <ac:graphicFrameMkLst>
+            <pc:docMk/>
+            <pc:sldMk cId="435488951" sldId="511"/>
+            <ac:graphicFrameMk id="13" creationId="{4282186C-2D75-AD70-6F81-D15DF1D0775A}"/>
+          </ac:graphicFrameMkLst>
+        </pc:graphicFrameChg>
+      </pc:sldChg>
+      <pc:sldChg chg="addSp modSp mod">
+        <pc:chgData name="Nicky Wakim" userId="63a62853-8dd4-431b-8872-ecc2181a70d8" providerId="ADAL" clId="{5282101C-1C8C-3743-B575-F0CFAF972F13}" dt="2024-05-15T00:36:20.860" v="85" actId="14100"/>
+        <pc:sldMkLst>
+          <pc:docMk/>
+          <pc:sldMk cId="2976490901" sldId="515"/>
+        </pc:sldMkLst>
+        <pc:spChg chg="mod">
+          <ac:chgData name="Nicky Wakim" userId="63a62853-8dd4-431b-8872-ecc2181a70d8" providerId="ADAL" clId="{5282101C-1C8C-3743-B575-F0CFAF972F13}" dt="2024-05-15T00:36:00.244" v="80" actId="2711"/>
+          <ac:spMkLst>
+            <pc:docMk/>
+            <pc:sldMk cId="2976490901" sldId="515"/>
+            <ac:spMk id="5" creationId="{75E2874B-F6A8-67CD-8A36-3F13B5CF51BA}"/>
+          </ac:spMkLst>
+        </pc:spChg>
+        <pc:spChg chg="mod">
+          <ac:chgData name="Nicky Wakim" userId="63a62853-8dd4-431b-8872-ecc2181a70d8" providerId="ADAL" clId="{5282101C-1C8C-3743-B575-F0CFAF972F13}" dt="2024-05-15T00:36:00.244" v="80" actId="2711"/>
+          <ac:spMkLst>
+            <pc:docMk/>
+            <pc:sldMk cId="2976490901" sldId="515"/>
+            <ac:spMk id="7" creationId="{AAAD36D2-2C86-EC5D-4176-A03ECCF8F8BC}"/>
+          </ac:spMkLst>
+        </pc:spChg>
+        <pc:spChg chg="mod">
+          <ac:chgData name="Nicky Wakim" userId="63a62853-8dd4-431b-8872-ecc2181a70d8" providerId="ADAL" clId="{5282101C-1C8C-3743-B575-F0CFAF972F13}" dt="2024-05-15T00:36:12.668" v="83" actId="14100"/>
+          <ac:spMkLst>
+            <pc:docMk/>
+            <pc:sldMk cId="2976490901" sldId="515"/>
+            <ac:spMk id="9" creationId="{3933E25D-2DC8-5EB6-8709-6F3741CF6631}"/>
+          </ac:spMkLst>
+        </pc:spChg>
+        <pc:spChg chg="mod">
+          <ac:chgData name="Nicky Wakim" userId="63a62853-8dd4-431b-8872-ecc2181a70d8" providerId="ADAL" clId="{5282101C-1C8C-3743-B575-F0CFAF972F13}" dt="2024-05-15T00:36:20.860" v="85" actId="14100"/>
+          <ac:spMkLst>
+            <pc:docMk/>
+            <pc:sldMk cId="2976490901" sldId="515"/>
+            <ac:spMk id="26" creationId="{33367014-13C2-CFA2-ED4F-BB1D8830585D}"/>
+          </ac:spMkLst>
+        </pc:spChg>
+        <pc:spChg chg="mod">
+          <ac:chgData name="Nicky Wakim" userId="63a62853-8dd4-431b-8872-ecc2181a70d8" providerId="ADAL" clId="{5282101C-1C8C-3743-B575-F0CFAF972F13}" dt="2024-05-15T00:35:41.033" v="75" actId="2711"/>
+          <ac:spMkLst>
+            <pc:docMk/>
+            <pc:sldMk cId="2976490901" sldId="515"/>
+            <ac:spMk id="28" creationId="{E6C9212C-473D-9449-D561-96F3D8880B5B}"/>
+          </ac:spMkLst>
+        </pc:spChg>
+        <pc:spChg chg="mod">
+          <ac:chgData name="Nicky Wakim" userId="63a62853-8dd4-431b-8872-ecc2181a70d8" providerId="ADAL" clId="{5282101C-1C8C-3743-B575-F0CFAF972F13}" dt="2024-05-15T00:35:44.780" v="76" actId="2711"/>
+          <ac:spMkLst>
+            <pc:docMk/>
+            <pc:sldMk cId="2976490901" sldId="515"/>
+            <ac:spMk id="29" creationId="{9DCB2D41-2E80-3B94-750B-DCC6F5A5589B}"/>
+          </ac:spMkLst>
+        </pc:spChg>
+        <pc:spChg chg="mod">
+          <ac:chgData name="Nicky Wakim" userId="63a62853-8dd4-431b-8872-ecc2181a70d8" providerId="ADAL" clId="{5282101C-1C8C-3743-B575-F0CFAF972F13}" dt="2024-05-15T00:35:47.893" v="77" actId="2711"/>
+          <ac:spMkLst>
+            <pc:docMk/>
+            <pc:sldMk cId="2976490901" sldId="515"/>
+            <ac:spMk id="30" creationId="{881F1416-5DCB-F5B2-EE91-B1078F0F33AA}"/>
+          </ac:spMkLst>
+        </pc:spChg>
+        <pc:spChg chg="mod">
+          <ac:chgData name="Nicky Wakim" userId="63a62853-8dd4-431b-8872-ecc2181a70d8" providerId="ADAL" clId="{5282101C-1C8C-3743-B575-F0CFAF972F13}" dt="2024-05-15T00:36:15.038" v="84" actId="14100"/>
+          <ac:spMkLst>
+            <pc:docMk/>
+            <pc:sldMk cId="2976490901" sldId="515"/>
+            <ac:spMk id="31" creationId="{27D3435F-6757-3835-A94F-0F7CFA9752BA}"/>
+          </ac:spMkLst>
+        </pc:spChg>
+        <pc:grpChg chg="add mod">
+          <ac:chgData name="Nicky Wakim" userId="63a62853-8dd4-431b-8872-ecc2181a70d8" providerId="ADAL" clId="{5282101C-1C8C-3743-B575-F0CFAF972F13}" dt="2024-05-15T00:34:23.303" v="62" actId="164"/>
+          <ac:grpSpMkLst>
+            <pc:docMk/>
+            <pc:sldMk cId="2976490901" sldId="515"/>
+            <ac:grpSpMk id="4" creationId="{872047E6-3132-FAEA-9A08-9C82098B08C7}"/>
+          </ac:grpSpMkLst>
+        </pc:grpChg>
+        <pc:grpChg chg="mod">
+          <ac:chgData name="Nicky Wakim" userId="63a62853-8dd4-431b-8872-ecc2181a70d8" providerId="ADAL" clId="{5282101C-1C8C-3743-B575-F0CFAF972F13}" dt="2024-05-15T00:34:23.303" v="62" actId="164"/>
+          <ac:grpSpMkLst>
+            <pc:docMk/>
+            <pc:sldMk cId="2976490901" sldId="515"/>
+            <ac:grpSpMk id="32" creationId="{D98F48B5-6B47-485F-F10F-F5CD2DC10B95}"/>
+          </ac:grpSpMkLst>
+        </pc:grpChg>
+      </pc:sldChg>
+      <pc:sldChg chg="addSp delSp modSp mod">
+        <pc:chgData name="Nicky Wakim" userId="63a62853-8dd4-431b-8872-ecc2181a70d8" providerId="ADAL" clId="{5282101C-1C8C-3743-B575-F0CFAF972F13}" dt="2024-05-15T00:39:26.663" v="103" actId="2711"/>
+        <pc:sldMkLst>
+          <pc:docMk/>
+          <pc:sldMk cId="2107534111" sldId="516"/>
+        </pc:sldMkLst>
+        <pc:spChg chg="mod">
+          <ac:chgData name="Nicky Wakim" userId="63a62853-8dd4-431b-8872-ecc2181a70d8" providerId="ADAL" clId="{5282101C-1C8C-3743-B575-F0CFAF972F13}" dt="2024-05-15T00:34:53.616" v="72" actId="207"/>
+          <ac:spMkLst>
+            <pc:docMk/>
+            <pc:sldMk cId="2107534111" sldId="516"/>
+            <ac:spMk id="7" creationId="{15FEE9C4-4BFD-EE87-6B50-E14DDC6B5F66}"/>
+          </ac:spMkLst>
+        </pc:spChg>
+        <pc:spChg chg="mod">
+          <ac:chgData name="Nicky Wakim" userId="63a62853-8dd4-431b-8872-ecc2181a70d8" providerId="ADAL" clId="{5282101C-1C8C-3743-B575-F0CFAF972F13}" dt="2024-05-15T00:34:53.616" v="72" actId="207"/>
+          <ac:spMkLst>
+            <pc:docMk/>
+            <pc:sldMk cId="2107534111" sldId="516"/>
+            <ac:spMk id="9" creationId="{AB676E5B-4D7E-D819-F60E-CC4DC30EE1B8}"/>
+          </ac:spMkLst>
+        </pc:spChg>
+        <pc:spChg chg="mod">
+          <ac:chgData name="Nicky Wakim" userId="63a62853-8dd4-431b-8872-ecc2181a70d8" providerId="ADAL" clId="{5282101C-1C8C-3743-B575-F0CFAF972F13}" dt="2024-05-15T00:39:26.663" v="103" actId="2711"/>
+          <ac:spMkLst>
+            <pc:docMk/>
+            <pc:sldMk cId="2107534111" sldId="516"/>
+            <ac:spMk id="11" creationId="{97AF0DC4-B9BF-7D2F-56F9-90C0990FA838}"/>
+          </ac:spMkLst>
+        </pc:spChg>
+        <pc:spChg chg="mod">
+          <ac:chgData name="Nicky Wakim" userId="63a62853-8dd4-431b-8872-ecc2181a70d8" providerId="ADAL" clId="{5282101C-1C8C-3743-B575-F0CFAF972F13}" dt="2024-05-15T00:39:18.311" v="102" actId="2711"/>
+          <ac:spMkLst>
+            <pc:docMk/>
+            <pc:sldMk cId="2107534111" sldId="516"/>
+            <ac:spMk id="15" creationId="{457A07CA-617D-F33D-30B9-C0FE8E58D5B3}"/>
+          </ac:spMkLst>
+        </pc:spChg>
+        <pc:spChg chg="mod">
+          <ac:chgData name="Nicky Wakim" userId="63a62853-8dd4-431b-8872-ecc2181a70d8" providerId="ADAL" clId="{5282101C-1C8C-3743-B575-F0CFAF972F13}" dt="2024-05-15T00:39:26.663" v="103" actId="2711"/>
+          <ac:spMkLst>
+            <pc:docMk/>
+            <pc:sldMk cId="2107534111" sldId="516"/>
+            <ac:spMk id="17" creationId="{3D01F5A8-8927-ADF3-A2BC-EC6731908010}"/>
+          </ac:spMkLst>
+        </pc:spChg>
+        <pc:spChg chg="mod">
+          <ac:chgData name="Nicky Wakim" userId="63a62853-8dd4-431b-8872-ecc2181a70d8" providerId="ADAL" clId="{5282101C-1C8C-3743-B575-F0CFAF972F13}" dt="2024-05-15T00:39:26.663" v="103" actId="2711"/>
+          <ac:spMkLst>
+            <pc:docMk/>
+            <pc:sldMk cId="2107534111" sldId="516"/>
+            <ac:spMk id="18" creationId="{BEEFD1B3-6B90-CB67-CFCB-8CF4A06CD047}"/>
+          </ac:spMkLst>
+        </pc:spChg>
+        <pc:spChg chg="del mod">
+          <ac:chgData name="Nicky Wakim" userId="63a62853-8dd4-431b-8872-ecc2181a70d8" providerId="ADAL" clId="{5282101C-1C8C-3743-B575-F0CFAF972F13}" dt="2024-05-15T00:37:11.596" v="87" actId="478"/>
+          <ac:spMkLst>
+            <pc:docMk/>
+            <pc:sldMk cId="2107534111" sldId="516"/>
+            <ac:spMk id="19" creationId="{21FC2C2A-78D5-33E5-5539-83B1F5631F16}"/>
+          </ac:spMkLst>
+        </pc:spChg>
+        <pc:spChg chg="mod">
+          <ac:chgData name="Nicky Wakim" userId="63a62853-8dd4-431b-8872-ecc2181a70d8" providerId="ADAL" clId="{5282101C-1C8C-3743-B575-F0CFAF972F13}" dt="2024-05-15T00:34:28.002" v="64"/>
+          <ac:spMkLst>
+            <pc:docMk/>
+            <pc:sldMk cId="2107534111" sldId="516"/>
+            <ac:spMk id="22" creationId="{034D9868-3743-F673-527C-3F8FC68D0DF4}"/>
+          </ac:spMkLst>
+        </pc:spChg>
+        <pc:spChg chg="mod">
+          <ac:chgData name="Nicky Wakim" userId="63a62853-8dd4-431b-8872-ecc2181a70d8" providerId="ADAL" clId="{5282101C-1C8C-3743-B575-F0CFAF972F13}" dt="2024-05-15T00:34:28.002" v="64"/>
+          <ac:spMkLst>
+            <pc:docMk/>
+            <pc:sldMk cId="2107534111" sldId="516"/>
+            <ac:spMk id="23" creationId="{D2F1E94C-DE5B-1630-BC13-18707B1E48B5}"/>
+          </ac:spMkLst>
+        </pc:spChg>
+        <pc:spChg chg="mod">
+          <ac:chgData name="Nicky Wakim" userId="63a62853-8dd4-431b-8872-ecc2181a70d8" providerId="ADAL" clId="{5282101C-1C8C-3743-B575-F0CFAF972F13}" dt="2024-05-15T00:34:28.002" v="64"/>
+          <ac:spMkLst>
+            <pc:docMk/>
+            <pc:sldMk cId="2107534111" sldId="516"/>
+            <ac:spMk id="25" creationId="{6FCF9C24-7C9B-EC0E-308D-F2C3690D1A5F}"/>
+          </ac:spMkLst>
+        </pc:spChg>
+        <pc:spChg chg="mod">
+          <ac:chgData name="Nicky Wakim" userId="63a62853-8dd4-431b-8872-ecc2181a70d8" providerId="ADAL" clId="{5282101C-1C8C-3743-B575-F0CFAF972F13}" dt="2024-05-15T00:30:24.495" v="57" actId="2711"/>
+          <ac:spMkLst>
+            <pc:docMk/>
+            <pc:sldMk cId="2107534111" sldId="516"/>
+            <ac:spMk id="28" creationId="{E6C9212C-473D-9449-D561-96F3D8880B5B}"/>
+          </ac:spMkLst>
+        </pc:spChg>
+        <pc:spChg chg="mod">
+          <ac:chgData name="Nicky Wakim" userId="63a62853-8dd4-431b-8872-ecc2181a70d8" providerId="ADAL" clId="{5282101C-1C8C-3743-B575-F0CFAF972F13}" dt="2024-05-15T00:30:32.332" v="59" actId="2711"/>
+          <ac:spMkLst>
+            <pc:docMk/>
+            <pc:sldMk cId="2107534111" sldId="516"/>
+            <ac:spMk id="29" creationId="{9DCB2D41-2E80-3B94-750B-DCC6F5A5589B}"/>
+          </ac:spMkLst>
+        </pc:spChg>
+        <pc:spChg chg="mod">
+          <ac:chgData name="Nicky Wakim" userId="63a62853-8dd4-431b-8872-ecc2181a70d8" providerId="ADAL" clId="{5282101C-1C8C-3743-B575-F0CFAF972F13}" dt="2024-05-15T00:30:36.361" v="60" actId="2711"/>
+          <ac:spMkLst>
+            <pc:docMk/>
+            <pc:sldMk cId="2107534111" sldId="516"/>
+            <ac:spMk id="30" creationId="{881F1416-5DCB-F5B2-EE91-B1078F0F33AA}"/>
+          </ac:spMkLst>
+        </pc:spChg>
+        <pc:spChg chg="mod">
+          <ac:chgData name="Nicky Wakim" userId="63a62853-8dd4-431b-8872-ecc2181a70d8" providerId="ADAL" clId="{5282101C-1C8C-3743-B575-F0CFAF972F13}" dt="2024-05-15T00:30:41.477" v="61" actId="2711"/>
+          <ac:spMkLst>
+            <pc:docMk/>
+            <pc:sldMk cId="2107534111" sldId="516"/>
+            <ac:spMk id="31" creationId="{27D3435F-6757-3835-A94F-0F7CFA9752BA}"/>
+          </ac:spMkLst>
+        </pc:spChg>
+        <pc:spChg chg="del mod">
+          <ac:chgData name="Nicky Wakim" userId="63a62853-8dd4-431b-8872-ecc2181a70d8" providerId="ADAL" clId="{5282101C-1C8C-3743-B575-F0CFAF972F13}" dt="2024-05-15T00:37:09.308" v="86" actId="478"/>
+          <ac:spMkLst>
+            <pc:docMk/>
+            <pc:sldMk cId="2107534111" sldId="516"/>
+            <ac:spMk id="33" creationId="{55A75AAE-B735-9BA2-559C-2796BF1C57B3}"/>
+          </ac:spMkLst>
+        </pc:spChg>
+        <pc:spChg chg="add mod">
+          <ac:chgData name="Nicky Wakim" userId="63a62853-8dd4-431b-8872-ecc2181a70d8" providerId="ADAL" clId="{5282101C-1C8C-3743-B575-F0CFAF972F13}" dt="2024-05-15T00:37:18.210" v="89" actId="164"/>
+          <ac:spMkLst>
+            <pc:docMk/>
+            <pc:sldMk cId="2107534111" sldId="516"/>
+            <ac:spMk id="34" creationId="{1B1E737A-EC1D-59D7-F7C5-18B14122CABE}"/>
+          </ac:spMkLst>
+        </pc:spChg>
+        <pc:spChg chg="add mod">
+          <ac:chgData name="Nicky Wakim" userId="63a62853-8dd4-431b-8872-ecc2181a70d8" providerId="ADAL" clId="{5282101C-1C8C-3743-B575-F0CFAF972F13}" dt="2024-05-15T00:39:26.663" v="103" actId="2711"/>
+          <ac:spMkLst>
+            <pc:docMk/>
+            <pc:sldMk cId="2107534111" sldId="516"/>
+            <ac:spMk id="35" creationId="{CFB3AD2E-5450-2B29-2227-EE4DAA4FB767}"/>
+          </ac:spMkLst>
+        </pc:spChg>
+        <pc:spChg chg="add del mod">
+          <ac:chgData name="Nicky Wakim" userId="63a62853-8dd4-431b-8872-ecc2181a70d8" providerId="ADAL" clId="{5282101C-1C8C-3743-B575-F0CFAF972F13}" dt="2024-05-15T00:37:21.779" v="90" actId="478"/>
+          <ac:spMkLst>
+            <pc:docMk/>
+            <pc:sldMk cId="2107534111" sldId="516"/>
+            <ac:spMk id="36" creationId="{7D4070F6-E513-ADF0-8C89-45B4A7EAB218}"/>
+          </ac:spMkLst>
+        </pc:spChg>
+        <pc:grpChg chg="add mod">
+          <ac:chgData name="Nicky Wakim" userId="63a62853-8dd4-431b-8872-ecc2181a70d8" providerId="ADAL" clId="{5282101C-1C8C-3743-B575-F0CFAF972F13}" dt="2024-05-15T00:37:18.210" v="89" actId="164"/>
+          <ac:grpSpMkLst>
+            <pc:docMk/>
+            <pc:sldMk cId="2107534111" sldId="516"/>
+            <ac:grpSpMk id="4" creationId="{DD5DA247-48C7-967D-EB2B-B7EB2C7748C0}"/>
+          </ac:grpSpMkLst>
+        </pc:grpChg>
+        <pc:grpChg chg="mod">
+          <ac:chgData name="Nicky Wakim" userId="63a62853-8dd4-431b-8872-ecc2181a70d8" providerId="ADAL" clId="{5282101C-1C8C-3743-B575-F0CFAF972F13}" dt="2024-05-15T00:34:28.002" v="64"/>
+          <ac:grpSpMkLst>
+            <pc:docMk/>
+            <pc:sldMk cId="2107534111" sldId="516"/>
+            <ac:grpSpMk id="5" creationId="{01E2794A-2FAE-A41F-4621-1DF29545FC2B}"/>
+          </ac:grpSpMkLst>
+        </pc:grpChg>
+        <pc:grpChg chg="mod">
+          <ac:chgData name="Nicky Wakim" userId="63a62853-8dd4-431b-8872-ecc2181a70d8" providerId="ADAL" clId="{5282101C-1C8C-3743-B575-F0CFAF972F13}" dt="2024-05-15T00:34:28.002" v="64"/>
+          <ac:grpSpMkLst>
+            <pc:docMk/>
+            <pc:sldMk cId="2107534111" sldId="516"/>
+            <ac:grpSpMk id="12" creationId="{AC25FDEB-A691-47CB-6ED1-71D8883820FB}"/>
+          </ac:grpSpMkLst>
+        </pc:grpChg>
+        <pc:grpChg chg="del">
+          <ac:chgData name="Nicky Wakim" userId="63a62853-8dd4-431b-8872-ecc2181a70d8" providerId="ADAL" clId="{5282101C-1C8C-3743-B575-F0CFAF972F13}" dt="2024-05-15T00:34:27.706" v="63" actId="478"/>
+          <ac:grpSpMkLst>
+            <pc:docMk/>
+            <pc:sldMk cId="2107534111" sldId="516"/>
+            <ac:grpSpMk id="32" creationId="{D98F48B5-6B47-485F-F10F-F5CD2DC10B95}"/>
+          </ac:grpSpMkLst>
+        </pc:grpChg>
+        <pc:grpChg chg="add mod">
+          <ac:chgData name="Nicky Wakim" userId="63a62853-8dd4-431b-8872-ecc2181a70d8" providerId="ADAL" clId="{5282101C-1C8C-3743-B575-F0CFAF972F13}" dt="2024-05-15T00:37:18.210" v="89" actId="164"/>
+          <ac:grpSpMkLst>
+            <pc:docMk/>
+            <pc:sldMk cId="2107534111" sldId="516"/>
+            <ac:grpSpMk id="37" creationId="{639D8AED-8E3E-F775-7FEF-FB4698047675}"/>
+          </ac:grpSpMkLst>
+        </pc:grpChg>
+        <pc:picChg chg="mod">
+          <ac:chgData name="Nicky Wakim" userId="63a62853-8dd4-431b-8872-ecc2181a70d8" providerId="ADAL" clId="{5282101C-1C8C-3743-B575-F0CFAF972F13}" dt="2024-05-15T00:34:28.002" v="64"/>
+          <ac:picMkLst>
+            <pc:docMk/>
+            <pc:sldMk cId="2107534111" sldId="516"/>
+            <ac:picMk id="21" creationId="{97328F14-CE9A-A509-FF2C-28091710DB35}"/>
+          </ac:picMkLst>
+        </pc:picChg>
+      </pc:sldChg>
+      <pc:sldChg chg="modSp mod">
+        <pc:chgData name="Nicky Wakim" userId="63a62853-8dd4-431b-8872-ecc2181a70d8" providerId="ADAL" clId="{5282101C-1C8C-3743-B575-F0CFAF972F13}" dt="2024-05-09T19:33:46.750" v="5" actId="208"/>
+        <pc:sldMkLst>
+          <pc:docMk/>
+          <pc:sldMk cId="2364121127" sldId="878"/>
+        </pc:sldMkLst>
+        <pc:spChg chg="mod">
+          <ac:chgData name="Nicky Wakim" userId="63a62853-8dd4-431b-8872-ecc2181a70d8" providerId="ADAL" clId="{5282101C-1C8C-3743-B575-F0CFAF972F13}" dt="2024-05-09T19:33:46.750" v="5" actId="208"/>
+          <ac:spMkLst>
+            <pc:docMk/>
+            <pc:sldMk cId="2364121127" sldId="878"/>
+            <ac:spMk id="6" creationId="{A3106CC7-1344-9289-9FAA-954CA4DC0DC1}"/>
+          </ac:spMkLst>
+        </pc:spChg>
+        <pc:spChg chg="mod">
+          <ac:chgData name="Nicky Wakim" userId="63a62853-8dd4-431b-8872-ecc2181a70d8" providerId="ADAL" clId="{5282101C-1C8C-3743-B575-F0CFAF972F13}" dt="2024-05-09T19:33:43.872" v="4" actId="208"/>
+          <ac:spMkLst>
+            <pc:docMk/>
+            <pc:sldMk cId="2364121127" sldId="878"/>
+            <ac:spMk id="7" creationId="{E308B315-2235-283F-817D-353F4AEED817}"/>
+          </ac:spMkLst>
+        </pc:spChg>
+      </pc:sldChg>
+    </pc:docChg>
+  </pc:docChgLst>
 </pc:chgInfo>
 </file>
 
@@ -1633,7 +2201,7 @@
           <a:p>
             <a:fld id="{9199CFBA-4C7D-0A47-ADE8-843D8E846D28}" type="datetimeFigureOut">
               <a:rPr lang="en-US" smtClean="0"/>
-              <a:t>6/13/23</a:t>
+              <a:t>5/14/24</a:t>
             </a:fld>
             <a:endParaRPr lang="en-US"/>
           </a:p>
@@ -6390,14 +6958,14 @@
           <p:nvPr>
             <p:extLst>
               <p:ext uri="{D42A27DB-BD31-4B8C-83A1-F6EECF244321}">
-                <p14:modId xmlns:p14="http://schemas.microsoft.com/office/powerpoint/2010/main" val="3379426941"/>
+                <p14:modId xmlns:p14="http://schemas.microsoft.com/office/powerpoint/2010/main" val="3572947171"/>
               </p:ext>
             </p:extLst>
           </p:nvPr>
         </p:nvGraphicFramePr>
         <p:xfrm>
-          <a:off x="2121827" y="3532354"/>
-          <a:ext cx="7948345" cy="2603400"/>
+          <a:off x="2121827" y="2846231"/>
+          <a:ext cx="7948345" cy="3289525"/>
         </p:xfrm>
         <a:graphic>
           <a:graphicData uri="http://schemas.openxmlformats.org/drawingml/2006/table">
@@ -6406,14 +6974,14 @@
                 <a:tableStyleId>{5C22544A-7EE6-4342-B048-85BDC9FD1C3A}</a:tableStyleId>
               </a:tblPr>
               <a:tblGrid>
-                <a:gridCol w="1589669">
+                <a:gridCol w="1703198">
                   <a:extLst>
                     <a:ext uri="{9D8B030D-6E8A-4147-A177-3AD203B41FA5}">
                       <a16:colId xmlns:a16="http://schemas.microsoft.com/office/drawing/2014/main" val="4076387341"/>
                     </a:ext>
                   </a:extLst>
                 </a:gridCol>
-                <a:gridCol w="1589669">
+                <a:gridCol w="1476140">
                   <a:extLst>
                     <a:ext uri="{9D8B030D-6E8A-4147-A177-3AD203B41FA5}">
                       <a16:colId xmlns:a16="http://schemas.microsoft.com/office/drawing/2014/main" val="386992980"/>
@@ -6442,7 +7010,7 @@
                   </a:extLst>
                 </a:gridCol>
               </a:tblGrid>
-              <a:tr h="520680">
+              <a:tr h="657905">
                 <a:tc rowSpan="2">
                   <a:txBody>
                     <a:bodyPr/>
@@ -6450,7 +7018,9 @@
                     <a:p>
                       <a:pPr algn="ctr"/>
                       <a:r>
-                        <a:rPr lang="en-US" sz="2800" dirty="0"/>
+                        <a:rPr lang="en-US" sz="2800" dirty="0">
+                          <a:latin typeface="Lato" panose="020F0502020204030203" pitchFamily="34" charset="77"/>
+                        </a:rPr>
                         <a:t>Outcome</a:t>
                       </a:r>
                     </a:p>
@@ -6464,7 +7034,9 @@
                     <a:p>
                       <a:pPr algn="ctr"/>
                       <a:r>
-                        <a:rPr lang="en-US" sz="2800" dirty="0"/>
+                        <a:rPr lang="en-US" sz="2800" dirty="0">
+                          <a:latin typeface="Lato" panose="020F0502020204030203" pitchFamily="34" charset="77"/>
+                        </a:rPr>
                         <a:t>Covariate (x)</a:t>
                       </a:r>
                     </a:p>
@@ -6498,7 +7070,9 @@
                     <a:p>
                       <a:pPr algn="ctr"/>
                       <a:r>
-                        <a:rPr lang="en-US" sz="2800" dirty="0"/>
+                        <a:rPr lang="en-US" sz="2800" dirty="0">
+                          <a:latin typeface="Lato" panose="020F0502020204030203" pitchFamily="34" charset="77"/>
+                        </a:rPr>
                         <a:t>Total</a:t>
                       </a:r>
                     </a:p>
@@ -6511,7 +7085,7 @@
                   </a:ext>
                 </a:extLst>
               </a:tr>
-              <a:tr h="520680">
+              <a:tr h="657905">
                 <a:tc vMerge="1">
                   <a:txBody>
                     <a:bodyPr/>
@@ -6529,7 +7103,9 @@
                     <a:p>
                       <a:pPr algn="ctr"/>
                       <a:r>
-                        <a:rPr lang="en-US" sz="2800" dirty="0"/>
+                        <a:rPr lang="en-US" sz="2800" dirty="0">
+                          <a:latin typeface="Lato" panose="020F0502020204030203" pitchFamily="34" charset="77"/>
+                        </a:rPr>
                         <a:t>1</a:t>
                       </a:r>
                     </a:p>
@@ -6543,7 +7119,9 @@
                     <a:p>
                       <a:pPr algn="ctr"/>
                       <a:r>
-                        <a:rPr lang="en-US" sz="2800" dirty="0"/>
+                        <a:rPr lang="en-US" sz="2800" dirty="0">
+                          <a:latin typeface="Lato" panose="020F0502020204030203" pitchFamily="34" charset="77"/>
+                        </a:rPr>
                         <a:t>2</a:t>
                       </a:r>
                     </a:p>
@@ -6557,7 +7135,9 @@
                     <a:p>
                       <a:pPr algn="ctr"/>
                       <a:r>
-                        <a:rPr lang="en-US" sz="2800" dirty="0"/>
+                        <a:rPr lang="en-US" sz="2800" dirty="0">
+                          <a:latin typeface="Lato" panose="020F0502020204030203" pitchFamily="34" charset="77"/>
+                        </a:rPr>
                         <a:t>3</a:t>
                       </a:r>
                     </a:p>
@@ -6580,7 +7160,7 @@
                   </a:ext>
                 </a:extLst>
               </a:tr>
-              <a:tr h="520680">
+              <a:tr h="657905">
                 <a:tc>
                   <a:txBody>
                     <a:bodyPr/>
@@ -6588,7 +7168,9 @@
                     <a:p>
                       <a:pPr algn="ctr"/>
                       <a:r>
-                        <a:rPr lang="en-US" sz="2800" dirty="0"/>
+                        <a:rPr lang="en-US" sz="2800" dirty="0">
+                          <a:latin typeface="Lato" panose="020F0502020204030203" pitchFamily="34" charset="77"/>
+                        </a:rPr>
                         <a:t>1</a:t>
                       </a:r>
                     </a:p>
@@ -6602,7 +7184,9 @@
                     <a:p>
                       <a:pPr algn="ctr"/>
                       <a:r>
-                        <a:rPr lang="en-US" sz="2800" dirty="0"/>
+                        <a:rPr lang="en-US" sz="2800" dirty="0">
+                          <a:latin typeface="Lato" panose="020F0502020204030203" pitchFamily="34" charset="77"/>
+                        </a:rPr>
                         <a:t>7</a:t>
                       </a:r>
                     </a:p>
@@ -6616,7 +7200,9 @@
                     <a:p>
                       <a:pPr algn="ctr"/>
                       <a:r>
-                        <a:rPr lang="en-US" sz="2800" dirty="0"/>
+                        <a:rPr lang="en-US" sz="2800" dirty="0">
+                          <a:latin typeface="Lato" panose="020F0502020204030203" pitchFamily="34" charset="77"/>
+                        </a:rPr>
                         <a:t>12</a:t>
                       </a:r>
                     </a:p>
@@ -6630,7 +7216,9 @@
                     <a:p>
                       <a:pPr algn="ctr"/>
                       <a:r>
-                        <a:rPr lang="en-US" sz="2800" dirty="0"/>
+                        <a:rPr lang="en-US" sz="2800" dirty="0">
+                          <a:latin typeface="Lato" panose="020F0502020204030203" pitchFamily="34" charset="77"/>
+                        </a:rPr>
                         <a:t>20</a:t>
                       </a:r>
                     </a:p>
@@ -6644,7 +7232,9 @@
                     <a:p>
                       <a:pPr algn="ctr"/>
                       <a:r>
-                        <a:rPr lang="en-US" sz="2800" dirty="0"/>
+                        <a:rPr lang="en-US" sz="2800" dirty="0">
+                          <a:latin typeface="Lato" panose="020F0502020204030203" pitchFamily="34" charset="77"/>
+                        </a:rPr>
                         <a:t>39</a:t>
                       </a:r>
                     </a:p>
@@ -6657,7 +7247,7 @@
                   </a:ext>
                 </a:extLst>
               </a:tr>
-              <a:tr h="520680">
+              <a:tr h="657905">
                 <a:tc>
                   <a:txBody>
                     <a:bodyPr/>
@@ -6665,7 +7255,9 @@
                     <a:p>
                       <a:pPr algn="ctr"/>
                       <a:r>
-                        <a:rPr lang="en-US" sz="2800" dirty="0"/>
+                        <a:rPr lang="en-US" sz="2800" dirty="0">
+                          <a:latin typeface="Lato" panose="020F0502020204030203" pitchFamily="34" charset="77"/>
+                        </a:rPr>
                         <a:t>0</a:t>
                       </a:r>
                     </a:p>
@@ -6679,7 +7271,9 @@
                     <a:p>
                       <a:pPr algn="ctr"/>
                       <a:r>
-                        <a:rPr lang="en-US" sz="2800" dirty="0"/>
+                        <a:rPr lang="en-US" sz="2800" dirty="0">
+                          <a:latin typeface="Lato" panose="020F0502020204030203" pitchFamily="34" charset="77"/>
+                        </a:rPr>
                         <a:t>13</a:t>
                       </a:r>
                     </a:p>
@@ -6693,7 +7287,9 @@
                     <a:p>
                       <a:pPr algn="ctr"/>
                       <a:r>
-                        <a:rPr lang="en-US" sz="2800" dirty="0"/>
+                        <a:rPr lang="en-US" sz="2800" dirty="0">
+                          <a:latin typeface="Lato" panose="020F0502020204030203" pitchFamily="34" charset="77"/>
+                        </a:rPr>
                         <a:t>8</a:t>
                       </a:r>
                     </a:p>
@@ -6707,7 +7303,9 @@
                     <a:p>
                       <a:pPr algn="ctr"/>
                       <a:r>
-                        <a:rPr lang="en-US" sz="2800" dirty="0"/>
+                        <a:rPr lang="en-US" sz="2800" dirty="0">
+                          <a:latin typeface="Lato" panose="020F0502020204030203" pitchFamily="34" charset="77"/>
+                        </a:rPr>
                         <a:t>0</a:t>
                       </a:r>
                     </a:p>
@@ -6721,7 +7319,9 @@
                     <a:p>
                       <a:pPr algn="ctr"/>
                       <a:r>
-                        <a:rPr lang="en-US" sz="2800" dirty="0"/>
+                        <a:rPr lang="en-US" sz="2800" dirty="0">
+                          <a:latin typeface="Lato" panose="020F0502020204030203" pitchFamily="34" charset="77"/>
+                        </a:rPr>
                         <a:t>21</a:t>
                       </a:r>
                     </a:p>
@@ -6734,7 +7334,7 @@
                   </a:ext>
                 </a:extLst>
               </a:tr>
-              <a:tr h="520680">
+              <a:tr h="657905">
                 <a:tc>
                   <a:txBody>
                     <a:bodyPr/>
@@ -6742,7 +7342,9 @@
                     <a:p>
                       <a:pPr algn="ctr"/>
                       <a:r>
-                        <a:rPr lang="en-US" sz="2800" dirty="0"/>
+                        <a:rPr lang="en-US" sz="2800" dirty="0">
+                          <a:latin typeface="Lato" panose="020F0502020204030203" pitchFamily="34" charset="77"/>
+                        </a:rPr>
                         <a:t>Total</a:t>
                       </a:r>
                     </a:p>
@@ -6756,7 +7358,9 @@
                     <a:p>
                       <a:pPr algn="ctr"/>
                       <a:r>
-                        <a:rPr lang="en-US" sz="2800" dirty="0"/>
+                        <a:rPr lang="en-US" sz="2800" dirty="0">
+                          <a:latin typeface="Lato" panose="020F0502020204030203" pitchFamily="34" charset="77"/>
+                        </a:rPr>
                         <a:t>20</a:t>
                       </a:r>
                     </a:p>
@@ -6770,7 +7374,9 @@
                     <a:p>
                       <a:pPr algn="ctr"/>
                       <a:r>
-                        <a:rPr lang="en-US" sz="2800" dirty="0"/>
+                        <a:rPr lang="en-US" sz="2800" dirty="0">
+                          <a:latin typeface="Lato" panose="020F0502020204030203" pitchFamily="34" charset="77"/>
+                        </a:rPr>
                         <a:t>20</a:t>
                       </a:r>
                     </a:p>
@@ -6784,7 +7390,9 @@
                     <a:p>
                       <a:pPr algn="ctr"/>
                       <a:r>
-                        <a:rPr lang="en-US" sz="2800" dirty="0"/>
+                        <a:rPr lang="en-US" sz="2800" dirty="0">
+                          <a:latin typeface="Lato" panose="020F0502020204030203" pitchFamily="34" charset="77"/>
+                        </a:rPr>
                         <a:t>20</a:t>
                       </a:r>
                     </a:p>
@@ -6798,7 +7406,9 @@
                     <a:p>
                       <a:pPr algn="ctr"/>
                       <a:r>
-                        <a:rPr lang="en-US" sz="2800" dirty="0"/>
+                        <a:rPr lang="en-US" sz="2800" dirty="0">
+                          <a:latin typeface="Lato" panose="020F0502020204030203" pitchFamily="34" charset="77"/>
+                        </a:rPr>
                         <a:t>60</a:t>
                       </a:r>
                     </a:p>
@@ -7053,14 +7663,14 @@
           <p:nvPr>
             <p:extLst>
               <p:ext uri="{D42A27DB-BD31-4B8C-83A1-F6EECF244321}">
-                <p14:modId xmlns:p14="http://schemas.microsoft.com/office/powerpoint/2010/main" val="384754402"/>
+                <p14:modId xmlns:p14="http://schemas.microsoft.com/office/powerpoint/2010/main" val="3641175247"/>
               </p:ext>
             </p:extLst>
           </p:nvPr>
         </p:nvGraphicFramePr>
         <p:xfrm>
-          <a:off x="7799594" y="1099561"/>
-          <a:ext cx="4114801" cy="1676400"/>
+          <a:off x="7817476" y="1099561"/>
+          <a:ext cx="4096919" cy="1676400"/>
         </p:xfrm>
         <a:graphic>
           <a:graphicData uri="http://schemas.openxmlformats.org/drawingml/2006/table">
@@ -7069,7 +7679,7 @@
                 <a:tableStyleId>{5C22544A-7EE6-4342-B048-85BDC9FD1C3A}</a:tableStyleId>
               </a:tblPr>
               <a:tblGrid>
-                <a:gridCol w="1008886">
+                <a:gridCol w="991004">
                   <a:extLst>
                     <a:ext uri="{9D8B030D-6E8A-4147-A177-3AD203B41FA5}">
                       <a16:colId xmlns:a16="http://schemas.microsoft.com/office/drawing/2014/main" val="4076387341"/>
@@ -7742,11 +8352,17 @@
           <p:cNvGraphicFramePr>
             <a:graphicFrameLocks noGrp="1"/>
           </p:cNvGraphicFramePr>
-          <p:nvPr/>
+          <p:nvPr>
+            <p:extLst>
+              <p:ext uri="{D42A27DB-BD31-4B8C-83A1-F6EECF244321}">
+                <p14:modId xmlns:p14="http://schemas.microsoft.com/office/powerpoint/2010/main" val="3532524726"/>
+              </p:ext>
+            </p:extLst>
+          </p:nvPr>
         </p:nvGraphicFramePr>
         <p:xfrm>
-          <a:off x="7799594" y="1099561"/>
-          <a:ext cx="4114801" cy="1676400"/>
+          <a:off x="8062175" y="1139951"/>
+          <a:ext cx="3657600" cy="1676400"/>
         </p:xfrm>
         <a:graphic>
           <a:graphicData uri="http://schemas.openxmlformats.org/drawingml/2006/table">
@@ -7755,35 +8371,35 @@
                 <a:tableStyleId>{5C22544A-7EE6-4342-B048-85BDC9FD1C3A}</a:tableStyleId>
               </a:tblPr>
               <a:tblGrid>
-                <a:gridCol w="1008886">
+                <a:gridCol w="1134308">
                   <a:extLst>
                     <a:ext uri="{9D8B030D-6E8A-4147-A177-3AD203B41FA5}">
                       <a16:colId xmlns:a16="http://schemas.microsoft.com/office/drawing/2014/main" val="4076387341"/>
                     </a:ext>
                   </a:extLst>
                 </a:gridCol>
-                <a:gridCol w="748782">
+                <a:gridCol w="618186">
                   <a:extLst>
                     <a:ext uri="{9D8B030D-6E8A-4147-A177-3AD203B41FA5}">
                       <a16:colId xmlns:a16="http://schemas.microsoft.com/office/drawing/2014/main" val="386992980"/>
                     </a:ext>
                   </a:extLst>
                 </a:gridCol>
-                <a:gridCol w="811837">
+                <a:gridCol w="645550">
                   <a:extLst>
                     <a:ext uri="{9D8B030D-6E8A-4147-A177-3AD203B41FA5}">
                       <a16:colId xmlns:a16="http://schemas.microsoft.com/office/drawing/2014/main" val="883770641"/>
                     </a:ext>
                   </a:extLst>
                 </a:gridCol>
-                <a:gridCol w="722336">
+                <a:gridCol w="577943">
                   <a:extLst>
                     <a:ext uri="{9D8B030D-6E8A-4147-A177-3AD203B41FA5}">
                       <a16:colId xmlns:a16="http://schemas.microsoft.com/office/drawing/2014/main" val="489677831"/>
                     </a:ext>
                   </a:extLst>
                 </a:gridCol>
-                <a:gridCol w="822960">
+                <a:gridCol w="681613">
                   <a:extLst>
                     <a:ext uri="{9D8B030D-6E8A-4147-A177-3AD203B41FA5}">
                       <a16:colId xmlns:a16="http://schemas.microsoft.com/office/drawing/2014/main" val="1652732685"/>
@@ -7799,7 +8415,9 @@
                     <a:p>
                       <a:pPr algn="ctr"/>
                       <a:r>
-                        <a:rPr lang="en-US" sz="1600" dirty="0"/>
+                        <a:rPr lang="en-US" sz="1600" dirty="0">
+                          <a:latin typeface="Lato" panose="020F0502020204030203" pitchFamily="34" charset="77"/>
+                        </a:rPr>
                         <a:t>Outcome</a:t>
                       </a:r>
                     </a:p>
@@ -7813,7 +8431,9 @@
                     <a:p>
                       <a:pPr algn="ctr"/>
                       <a:r>
-                        <a:rPr lang="en-US" sz="1600" dirty="0"/>
+                        <a:rPr lang="en-US" sz="1600" dirty="0">
+                          <a:latin typeface="Lato" panose="020F0502020204030203" pitchFamily="34" charset="77"/>
+                        </a:rPr>
                         <a:t>Covariate (x)</a:t>
                       </a:r>
                     </a:p>
@@ -7847,7 +8467,9 @@
                     <a:p>
                       <a:pPr algn="ctr"/>
                       <a:r>
-                        <a:rPr lang="en-US" sz="1600" dirty="0"/>
+                        <a:rPr lang="en-US" sz="1600" dirty="0">
+                          <a:latin typeface="Lato" panose="020F0502020204030203" pitchFamily="34" charset="77"/>
+                        </a:rPr>
                         <a:t>Total</a:t>
                       </a:r>
                     </a:p>
@@ -7878,7 +8500,9 @@
                     <a:p>
                       <a:pPr algn="ctr"/>
                       <a:r>
-                        <a:rPr lang="en-US" sz="1600" dirty="0"/>
+                        <a:rPr lang="en-US" sz="1600" dirty="0">
+                          <a:latin typeface="Lato" panose="020F0502020204030203" pitchFamily="34" charset="77"/>
+                        </a:rPr>
                         <a:t>1</a:t>
                       </a:r>
                     </a:p>
@@ -7892,7 +8516,9 @@
                     <a:p>
                       <a:pPr algn="ctr"/>
                       <a:r>
-                        <a:rPr lang="en-US" sz="1600" dirty="0"/>
+                        <a:rPr lang="en-US" sz="1600" dirty="0">
+                          <a:latin typeface="Lato" panose="020F0502020204030203" pitchFamily="34" charset="77"/>
+                        </a:rPr>
                         <a:t>2</a:t>
                       </a:r>
                     </a:p>
@@ -7906,7 +8532,9 @@
                     <a:p>
                       <a:pPr algn="ctr"/>
                       <a:r>
-                        <a:rPr lang="en-US" sz="1600" dirty="0"/>
+                        <a:rPr lang="en-US" sz="1600" dirty="0">
+                          <a:latin typeface="Lato" panose="020F0502020204030203" pitchFamily="34" charset="77"/>
+                        </a:rPr>
                         <a:t>3</a:t>
                       </a:r>
                     </a:p>
@@ -7937,7 +8565,9 @@
                     <a:p>
                       <a:pPr algn="ctr"/>
                       <a:r>
-                        <a:rPr lang="en-US" sz="1600" dirty="0"/>
+                        <a:rPr lang="en-US" sz="1600" dirty="0">
+                          <a:latin typeface="Lato" panose="020F0502020204030203" pitchFamily="34" charset="77"/>
+                        </a:rPr>
                         <a:t>1</a:t>
                       </a:r>
                     </a:p>
@@ -7951,7 +8581,9 @@
                     <a:p>
                       <a:pPr algn="ctr"/>
                       <a:r>
-                        <a:rPr lang="en-US" sz="1600" dirty="0"/>
+                        <a:rPr lang="en-US" sz="1600" dirty="0">
+                          <a:latin typeface="Lato" panose="020F0502020204030203" pitchFamily="34" charset="77"/>
+                        </a:rPr>
                         <a:t>7</a:t>
                       </a:r>
                     </a:p>
@@ -7965,7 +8597,9 @@
                     <a:p>
                       <a:pPr algn="ctr"/>
                       <a:r>
-                        <a:rPr lang="en-US" sz="1600" dirty="0"/>
+                        <a:rPr lang="en-US" sz="1600" dirty="0">
+                          <a:latin typeface="Lato" panose="020F0502020204030203" pitchFamily="34" charset="77"/>
+                        </a:rPr>
                         <a:t>12</a:t>
                       </a:r>
                     </a:p>
@@ -7979,7 +8613,9 @@
                     <a:p>
                       <a:pPr algn="ctr"/>
                       <a:r>
-                        <a:rPr lang="en-US" sz="1600" dirty="0"/>
+                        <a:rPr lang="en-US" sz="1600" dirty="0">
+                          <a:latin typeface="Lato" panose="020F0502020204030203" pitchFamily="34" charset="77"/>
+                        </a:rPr>
                         <a:t>20</a:t>
                       </a:r>
                     </a:p>
@@ -7993,7 +8629,9 @@
                     <a:p>
                       <a:pPr algn="ctr"/>
                       <a:r>
-                        <a:rPr lang="en-US" sz="1600" dirty="0"/>
+                        <a:rPr lang="en-US" sz="1600" dirty="0">
+                          <a:latin typeface="Lato" panose="020F0502020204030203" pitchFamily="34" charset="77"/>
+                        </a:rPr>
                         <a:t>39</a:t>
                       </a:r>
                     </a:p>
@@ -8014,7 +8652,9 @@
                     <a:p>
                       <a:pPr algn="ctr"/>
                       <a:r>
-                        <a:rPr lang="en-US" sz="1600" dirty="0"/>
+                        <a:rPr lang="en-US" sz="1600" dirty="0">
+                          <a:latin typeface="Lato" panose="020F0502020204030203" pitchFamily="34" charset="77"/>
+                        </a:rPr>
                         <a:t>0</a:t>
                       </a:r>
                     </a:p>
@@ -8028,7 +8668,9 @@
                     <a:p>
                       <a:pPr algn="ctr"/>
                       <a:r>
-                        <a:rPr lang="en-US" sz="1600" dirty="0"/>
+                        <a:rPr lang="en-US" sz="1600" dirty="0">
+                          <a:latin typeface="Lato" panose="020F0502020204030203" pitchFamily="34" charset="77"/>
+                        </a:rPr>
                         <a:t>13</a:t>
                       </a:r>
                     </a:p>
@@ -8042,7 +8684,9 @@
                     <a:p>
                       <a:pPr algn="ctr"/>
                       <a:r>
-                        <a:rPr lang="en-US" sz="1600" dirty="0"/>
+                        <a:rPr lang="en-US" sz="1600" dirty="0">
+                          <a:latin typeface="Lato" panose="020F0502020204030203" pitchFamily="34" charset="77"/>
+                        </a:rPr>
                         <a:t>8</a:t>
                       </a:r>
                     </a:p>
@@ -8056,7 +8700,9 @@
                     <a:p>
                       <a:pPr algn="ctr"/>
                       <a:r>
-                        <a:rPr lang="en-US" sz="1600" dirty="0"/>
+                        <a:rPr lang="en-US" sz="1600" dirty="0">
+                          <a:latin typeface="Lato" panose="020F0502020204030203" pitchFamily="34" charset="77"/>
+                        </a:rPr>
                         <a:t>0</a:t>
                       </a:r>
                     </a:p>
@@ -8070,7 +8716,9 @@
                     <a:p>
                       <a:pPr algn="ctr"/>
                       <a:r>
-                        <a:rPr lang="en-US" sz="1600" dirty="0"/>
+                        <a:rPr lang="en-US" sz="1600" dirty="0">
+                          <a:latin typeface="Lato" panose="020F0502020204030203" pitchFamily="34" charset="77"/>
+                        </a:rPr>
                         <a:t>21</a:t>
                       </a:r>
                     </a:p>
@@ -8091,7 +8739,9 @@
                     <a:p>
                       <a:pPr algn="ctr"/>
                       <a:r>
-                        <a:rPr lang="en-US" sz="1600" dirty="0"/>
+                        <a:rPr lang="en-US" sz="1600" dirty="0">
+                          <a:latin typeface="Lato" panose="020F0502020204030203" pitchFamily="34" charset="77"/>
+                        </a:rPr>
                         <a:t>Total</a:t>
                       </a:r>
                     </a:p>
@@ -8105,7 +8755,9 @@
                     <a:p>
                       <a:pPr algn="ctr"/>
                       <a:r>
-                        <a:rPr lang="en-US" sz="1600" dirty="0"/>
+                        <a:rPr lang="en-US" sz="1600" dirty="0">
+                          <a:latin typeface="Lato" panose="020F0502020204030203" pitchFamily="34" charset="77"/>
+                        </a:rPr>
                         <a:t>20</a:t>
                       </a:r>
                     </a:p>
@@ -8119,7 +8771,9 @@
                     <a:p>
                       <a:pPr algn="ctr"/>
                       <a:r>
-                        <a:rPr lang="en-US" sz="1600" dirty="0"/>
+                        <a:rPr lang="en-US" sz="1600" dirty="0">
+                          <a:latin typeface="Lato" panose="020F0502020204030203" pitchFamily="34" charset="77"/>
+                        </a:rPr>
                         <a:t>20</a:t>
                       </a:r>
                     </a:p>
@@ -8133,7 +8787,9 @@
                     <a:p>
                       <a:pPr algn="ctr"/>
                       <a:r>
-                        <a:rPr lang="en-US" sz="1600" dirty="0"/>
+                        <a:rPr lang="en-US" sz="1600" dirty="0">
+                          <a:latin typeface="Lato" panose="020F0502020204030203" pitchFamily="34" charset="77"/>
+                        </a:rPr>
                         <a:t>20</a:t>
                       </a:r>
                     </a:p>
@@ -8147,7 +8803,9 @@
                     <a:p>
                       <a:pPr algn="ctr"/>
                       <a:r>
-                        <a:rPr lang="en-US" sz="1600" dirty="0"/>
+                        <a:rPr lang="en-US" sz="1600" dirty="0">
+                          <a:latin typeface="Lato" panose="020F0502020204030203" pitchFamily="34" charset="77"/>
+                        </a:rPr>
                         <a:t>60</a:t>
                       </a:r>
                     </a:p>
@@ -13682,8 +14340,8 @@
         </p:blipFill>
         <p:spPr>
           <a:xfrm>
-            <a:off x="1026150" y="6364701"/>
-            <a:ext cx="568498" cy="493300"/>
+            <a:off x="9047526" y="-497983"/>
+            <a:ext cx="4964688" cy="4307984"/>
           </a:xfrm>
           <a:prstGeom prst="rect">
             <a:avLst/>
@@ -15591,36 +16249,843 @@
           </a:p>
         </p:txBody>
       </p:sp>
-      <p:pic>
-        <p:nvPicPr>
-          <p:cNvPr id="14" name="Picture 13">
-            <a:extLst>
-              <a:ext uri="{FF2B5EF4-FFF2-40B4-BE49-F238E27FC236}">
-                <a16:creationId xmlns:a16="http://schemas.microsoft.com/office/drawing/2014/main" id="{74A70ABA-6AD5-5BA6-3474-20C858503C2D}"/>
-              </a:ext>
-            </a:extLst>
-          </p:cNvPr>
-          <p:cNvPicPr>
-            <a:picLocks noChangeAspect="1"/>
-          </p:cNvPicPr>
+      <p:grpSp>
+        <p:nvGrpSpPr>
+          <p:cNvPr id="28" name="Group 27">
+            <a:extLst>
+              <a:ext uri="{FF2B5EF4-FFF2-40B4-BE49-F238E27FC236}">
+                <a16:creationId xmlns:a16="http://schemas.microsoft.com/office/drawing/2014/main" id="{2494234E-A02C-7194-3803-4637AFF35F00}"/>
+              </a:ext>
+            </a:extLst>
+          </p:cNvPr>
+          <p:cNvGrpSpPr/>
           <p:nvPr/>
-        </p:nvPicPr>
-        <p:blipFill>
-          <a:blip r:embed="rId2"/>
-          <a:stretch>
-            <a:fillRect/>
-          </a:stretch>
-        </p:blipFill>
-        <p:spPr>
+        </p:nvGrpSpPr>
+        <p:grpSpPr>
           <a:xfrm>
             <a:off x="1156809" y="2571785"/>
-            <a:ext cx="9170319" cy="2596203"/>
+            <a:ext cx="9263668" cy="3767648"/>
+            <a:chOff x="1156809" y="2571785"/>
+            <a:chExt cx="9263668" cy="3767648"/>
           </a:xfrm>
-          <a:prstGeom prst="rect">
-            <a:avLst/>
-          </a:prstGeom>
-        </p:spPr>
-      </p:pic>
+        </p:grpSpPr>
+        <p:sp>
+          <p:nvSpPr>
+            <p:cNvPr id="25" name="Rectangle 24">
+              <a:extLst>
+                <a:ext uri="{FF2B5EF4-FFF2-40B4-BE49-F238E27FC236}">
+                  <a16:creationId xmlns:a16="http://schemas.microsoft.com/office/drawing/2014/main" id="{5F90A3A0-14F8-D670-CFA1-CD1268E7E8B6}"/>
+                </a:ext>
+              </a:extLst>
+            </p:cNvPr>
+            <p:cNvSpPr/>
+            <p:nvPr/>
+          </p:nvSpPr>
+          <p:spPr>
+            <a:xfrm>
+              <a:off x="8389290" y="3261864"/>
+              <a:ext cx="2031187" cy="1819834"/>
+            </a:xfrm>
+            <a:prstGeom prst="rect">
+              <a:avLst/>
+            </a:prstGeom>
+            <a:noFill/>
+            <a:ln w="57150">
+              <a:solidFill>
+                <a:schemeClr val="bg1"/>
+              </a:solidFill>
+            </a:ln>
+          </p:spPr>
+          <p:style>
+            <a:lnRef idx="2">
+              <a:schemeClr val="accent1">
+                <a:shade val="50000"/>
+              </a:schemeClr>
+            </a:lnRef>
+            <a:fillRef idx="1">
+              <a:schemeClr val="accent1"/>
+            </a:fillRef>
+            <a:effectRef idx="0">
+              <a:schemeClr val="accent1"/>
+            </a:effectRef>
+            <a:fontRef idx="minor">
+              <a:schemeClr val="lt1"/>
+            </a:fontRef>
+          </p:style>
+          <p:txBody>
+            <a:bodyPr rtlCol="0" anchor="ctr"/>
+            <a:lstStyle/>
+            <a:p>
+              <a:pPr algn="ctr"/>
+              <a:endParaRPr lang="en-US"/>
+            </a:p>
+          </p:txBody>
+        </p:sp>
+        <p:sp>
+          <p:nvSpPr>
+            <p:cNvPr id="26" name="Rectangle 25">
+              <a:extLst>
+                <a:ext uri="{FF2B5EF4-FFF2-40B4-BE49-F238E27FC236}">
+                  <a16:creationId xmlns:a16="http://schemas.microsoft.com/office/drawing/2014/main" id="{2A7C6F71-47A1-4C39-3A93-67A316F8B1D1}"/>
+                </a:ext>
+              </a:extLst>
+            </p:cNvPr>
+            <p:cNvSpPr/>
+            <p:nvPr/>
+          </p:nvSpPr>
+          <p:spPr>
+            <a:xfrm>
+              <a:off x="8383153" y="5075852"/>
+              <a:ext cx="2034384" cy="508757"/>
+            </a:xfrm>
+            <a:prstGeom prst="rect">
+              <a:avLst/>
+            </a:prstGeom>
+            <a:noFill/>
+            <a:ln w="57150">
+              <a:solidFill>
+                <a:schemeClr val="bg1"/>
+              </a:solidFill>
+            </a:ln>
+          </p:spPr>
+          <p:style>
+            <a:lnRef idx="2">
+              <a:schemeClr val="accent1">
+                <a:shade val="50000"/>
+              </a:schemeClr>
+            </a:lnRef>
+            <a:fillRef idx="1">
+              <a:schemeClr val="accent1"/>
+            </a:fillRef>
+            <a:effectRef idx="0">
+              <a:schemeClr val="accent1"/>
+            </a:effectRef>
+            <a:fontRef idx="minor">
+              <a:schemeClr val="lt1"/>
+            </a:fontRef>
+          </p:style>
+          <p:txBody>
+            <a:bodyPr rtlCol="0" anchor="ctr"/>
+            <a:lstStyle/>
+            <a:p>
+              <a:pPr algn="ctr"/>
+              <a:r>
+                <a:rPr lang="en-US" dirty="0">
+                  <a:latin typeface="Lato" panose="020F0502020204030203" pitchFamily="34" charset="77"/>
+                </a:rPr>
+                <a:t>Model 4: x1, x2, x3</a:t>
+              </a:r>
+            </a:p>
+          </p:txBody>
+        </p:sp>
+        <p:grpSp>
+          <p:nvGrpSpPr>
+            <p:cNvPr id="24" name="Group 23">
+              <a:extLst>
+                <a:ext uri="{FF2B5EF4-FFF2-40B4-BE49-F238E27FC236}">
+                  <a16:creationId xmlns:a16="http://schemas.microsoft.com/office/drawing/2014/main" id="{3681A8B6-3954-246F-9F10-BB4E577D201F}"/>
+                </a:ext>
+              </a:extLst>
+            </p:cNvPr>
+            <p:cNvGrpSpPr/>
+            <p:nvPr/>
+          </p:nvGrpSpPr>
+          <p:grpSpPr>
+            <a:xfrm>
+              <a:off x="1156809" y="2571785"/>
+              <a:ext cx="9170319" cy="3767648"/>
+              <a:chOff x="1156809" y="2571785"/>
+              <a:chExt cx="9170319" cy="3767648"/>
+            </a:xfrm>
+          </p:grpSpPr>
+          <p:grpSp>
+            <p:nvGrpSpPr>
+              <p:cNvPr id="4" name="Group 3">
+                <a:extLst>
+                  <a:ext uri="{FF2B5EF4-FFF2-40B4-BE49-F238E27FC236}">
+                    <a16:creationId xmlns:a16="http://schemas.microsoft.com/office/drawing/2014/main" id="{0AABAE73-E516-06E0-74F1-A0A0B4D9927C}"/>
+                  </a:ext>
+                </a:extLst>
+              </p:cNvPr>
+              <p:cNvGrpSpPr/>
+              <p:nvPr/>
+            </p:nvGrpSpPr>
+            <p:grpSpPr>
+              <a:xfrm>
+                <a:off x="1156809" y="2571785"/>
+                <a:ext cx="9170319" cy="3019984"/>
+                <a:chOff x="1268929" y="1749439"/>
+                <a:chExt cx="9170319" cy="3019984"/>
+              </a:xfrm>
+            </p:grpSpPr>
+            <p:sp>
+              <p:nvSpPr>
+                <p:cNvPr id="9" name="Rectangle 8">
+                  <a:extLst>
+                    <a:ext uri="{FF2B5EF4-FFF2-40B4-BE49-F238E27FC236}">
+                      <a16:creationId xmlns:a16="http://schemas.microsoft.com/office/drawing/2014/main" id="{AE77CC13-90D9-C3B3-13A4-3C4B898C61E5}"/>
+                    </a:ext>
+                  </a:extLst>
+                </p:cNvPr>
+                <p:cNvSpPr/>
+                <p:nvPr/>
+              </p:nvSpPr>
+              <p:spPr>
+                <a:xfrm>
+                  <a:off x="4226796" y="4255552"/>
+                  <a:ext cx="2069668" cy="508757"/>
+                </a:xfrm>
+                <a:prstGeom prst="rect">
+                  <a:avLst/>
+                </a:prstGeom>
+                <a:noFill/>
+                <a:ln w="57150">
+                  <a:solidFill>
+                    <a:schemeClr val="bg1"/>
+                  </a:solidFill>
+                </a:ln>
+              </p:spPr>
+              <p:style>
+                <a:lnRef idx="2">
+                  <a:schemeClr val="accent1">
+                    <a:shade val="50000"/>
+                  </a:schemeClr>
+                </a:lnRef>
+                <a:fillRef idx="1">
+                  <a:schemeClr val="accent1"/>
+                </a:fillRef>
+                <a:effectRef idx="0">
+                  <a:schemeClr val="accent1"/>
+                </a:effectRef>
+                <a:fontRef idx="minor">
+                  <a:schemeClr val="lt1"/>
+                </a:fontRef>
+              </p:style>
+              <p:txBody>
+                <a:bodyPr rtlCol="0" anchor="ctr"/>
+                <a:lstStyle/>
+                <a:p>
+                  <a:pPr algn="ctr"/>
+                  <a:r>
+                    <a:rPr lang="en-US" dirty="0">
+                      <a:latin typeface="Lato" panose="020F0502020204030203" pitchFamily="34" charset="77"/>
+                    </a:rPr>
+                    <a:t>Model 2: x1 and x2</a:t>
+                  </a:r>
+                </a:p>
+              </p:txBody>
+            </p:sp>
+            <p:sp>
+              <p:nvSpPr>
+                <p:cNvPr id="11" name="Rectangle 10">
+                  <a:extLst>
+                    <a:ext uri="{FF2B5EF4-FFF2-40B4-BE49-F238E27FC236}">
+                      <a16:creationId xmlns:a16="http://schemas.microsoft.com/office/drawing/2014/main" id="{B738B105-2F68-9CF3-044C-1A365DFDC74C}"/>
+                    </a:ext>
+                  </a:extLst>
+                </p:cNvPr>
+                <p:cNvSpPr/>
+                <p:nvPr/>
+              </p:nvSpPr>
+              <p:spPr>
+                <a:xfrm>
+                  <a:off x="6410135" y="4260666"/>
+                  <a:ext cx="1914716" cy="508757"/>
+                </a:xfrm>
+                <a:prstGeom prst="rect">
+                  <a:avLst/>
+                </a:prstGeom>
+                <a:noFill/>
+                <a:ln w="57150">
+                  <a:solidFill>
+                    <a:schemeClr val="bg1"/>
+                  </a:solidFill>
+                </a:ln>
+              </p:spPr>
+              <p:style>
+                <a:lnRef idx="2">
+                  <a:schemeClr val="accent1">
+                    <a:shade val="50000"/>
+                  </a:schemeClr>
+                </a:lnRef>
+                <a:fillRef idx="1">
+                  <a:schemeClr val="accent1"/>
+                </a:fillRef>
+                <a:effectRef idx="0">
+                  <a:schemeClr val="accent1"/>
+                </a:effectRef>
+                <a:fontRef idx="minor">
+                  <a:schemeClr val="lt1"/>
+                </a:fontRef>
+              </p:style>
+              <p:txBody>
+                <a:bodyPr rtlCol="0" anchor="ctr"/>
+                <a:lstStyle/>
+                <a:p>
+                  <a:pPr algn="ctr"/>
+                  <a:r>
+                    <a:rPr lang="en-US" dirty="0">
+                      <a:latin typeface="Lato" panose="020F0502020204030203" pitchFamily="34" charset="77"/>
+                    </a:rPr>
+                    <a:t>Model 3: x3 only</a:t>
+                  </a:r>
+                </a:p>
+              </p:txBody>
+            </p:sp>
+            <p:sp>
+              <p:nvSpPr>
+                <p:cNvPr id="12" name="Rectangle 11">
+                  <a:extLst>
+                    <a:ext uri="{FF2B5EF4-FFF2-40B4-BE49-F238E27FC236}">
+                      <a16:creationId xmlns:a16="http://schemas.microsoft.com/office/drawing/2014/main" id="{A4D7E1BE-B825-C10B-A5DC-0A9E9C6ECA01}"/>
+                    </a:ext>
+                  </a:extLst>
+                </p:cNvPr>
+                <p:cNvSpPr/>
+                <p:nvPr/>
+              </p:nvSpPr>
+              <p:spPr>
+                <a:xfrm>
+                  <a:off x="8495273" y="4253506"/>
+                  <a:ext cx="1923793" cy="508757"/>
+                </a:xfrm>
+                <a:prstGeom prst="rect">
+                  <a:avLst/>
+                </a:prstGeom>
+                <a:noFill/>
+                <a:ln w="57150">
+                  <a:solidFill>
+                    <a:schemeClr val="bg1"/>
+                  </a:solidFill>
+                </a:ln>
+              </p:spPr>
+              <p:style>
+                <a:lnRef idx="2">
+                  <a:schemeClr val="accent1">
+                    <a:shade val="50000"/>
+                  </a:schemeClr>
+                </a:lnRef>
+                <a:fillRef idx="1">
+                  <a:schemeClr val="accent1"/>
+                </a:fillRef>
+                <a:effectRef idx="0">
+                  <a:schemeClr val="accent1"/>
+                </a:effectRef>
+                <a:fontRef idx="minor">
+                  <a:schemeClr val="lt1"/>
+                </a:fontRef>
+              </p:style>
+              <p:txBody>
+                <a:bodyPr rtlCol="0" anchor="ctr"/>
+                <a:lstStyle/>
+                <a:p>
+                  <a:pPr algn="ctr"/>
+                  <a:r>
+                    <a:rPr lang="en-US" dirty="0">
+                      <a:latin typeface="Lato" panose="020F0502020204030203" pitchFamily="34" charset="77"/>
+                    </a:rPr>
+                    <a:t>Model 4: x1, x2, x3</a:t>
+                  </a:r>
+                </a:p>
+              </p:txBody>
+            </p:sp>
+            <p:sp>
+              <p:nvSpPr>
+                <p:cNvPr id="7" name="Rectangle 6">
+                  <a:extLst>
+                    <a:ext uri="{FF2B5EF4-FFF2-40B4-BE49-F238E27FC236}">
+                      <a16:creationId xmlns:a16="http://schemas.microsoft.com/office/drawing/2014/main" id="{FAD20DE1-D5DF-0077-27CF-C55545E37D43}"/>
+                    </a:ext>
+                  </a:extLst>
+                </p:cNvPr>
+                <p:cNvSpPr/>
+                <p:nvPr/>
+              </p:nvSpPr>
+              <p:spPr>
+                <a:xfrm>
+                  <a:off x="2166330" y="4253487"/>
+                  <a:ext cx="1914716" cy="508757"/>
+                </a:xfrm>
+                <a:prstGeom prst="rect">
+                  <a:avLst/>
+                </a:prstGeom>
+                <a:noFill/>
+                <a:ln w="57150">
+                  <a:noFill/>
+                </a:ln>
+              </p:spPr>
+              <p:style>
+                <a:lnRef idx="2">
+                  <a:schemeClr val="accent1">
+                    <a:shade val="50000"/>
+                  </a:schemeClr>
+                </a:lnRef>
+                <a:fillRef idx="1">
+                  <a:schemeClr val="accent1"/>
+                </a:fillRef>
+                <a:effectRef idx="0">
+                  <a:schemeClr val="accent1"/>
+                </a:effectRef>
+                <a:fontRef idx="minor">
+                  <a:schemeClr val="lt1"/>
+                </a:fontRef>
+              </p:style>
+              <p:txBody>
+                <a:bodyPr rtlCol="0" anchor="ctr"/>
+                <a:lstStyle/>
+                <a:p>
+                  <a:pPr algn="ctr"/>
+                  <a:r>
+                    <a:rPr lang="en-US" dirty="0">
+                      <a:latin typeface="Lato" panose="020F0502020204030203" pitchFamily="34" charset="77"/>
+                    </a:rPr>
+                    <a:t>Model 1: x1 only</a:t>
+                  </a:r>
+                </a:p>
+              </p:txBody>
+            </p:sp>
+            <p:grpSp>
+              <p:nvGrpSpPr>
+                <p:cNvPr id="5" name="Group 4">
+                  <a:extLst>
+                    <a:ext uri="{FF2B5EF4-FFF2-40B4-BE49-F238E27FC236}">
+                      <a16:creationId xmlns:a16="http://schemas.microsoft.com/office/drawing/2014/main" id="{B9B35DA4-F670-2979-8623-66134B957DAC}"/>
+                    </a:ext>
+                  </a:extLst>
+                </p:cNvPr>
+                <p:cNvGrpSpPr/>
+                <p:nvPr/>
+              </p:nvGrpSpPr>
+              <p:grpSpPr>
+                <a:xfrm>
+                  <a:off x="1268929" y="1749439"/>
+                  <a:ext cx="9170319" cy="2596203"/>
+                  <a:chOff x="894578" y="2056285"/>
+                  <a:chExt cx="9170319" cy="2596203"/>
+                </a:xfrm>
+              </p:grpSpPr>
+              <p:sp>
+                <p:nvSpPr>
+                  <p:cNvPr id="17" name="Rectangle 16">
+                    <a:extLst>
+                      <a:ext uri="{FF2B5EF4-FFF2-40B4-BE49-F238E27FC236}">
+                        <a16:creationId xmlns:a16="http://schemas.microsoft.com/office/drawing/2014/main" id="{69252659-6569-1359-8543-50BE2E398867}"/>
+                      </a:ext>
+                    </a:extLst>
+                  </p:cNvPr>
+                  <p:cNvSpPr/>
+                  <p:nvPr/>
+                </p:nvSpPr>
+                <p:spPr>
+                  <a:xfrm>
+                    <a:off x="3852445" y="2746364"/>
+                    <a:ext cx="2069669" cy="1819834"/>
+                  </a:xfrm>
+                  <a:prstGeom prst="rect">
+                    <a:avLst/>
+                  </a:prstGeom>
+                  <a:noFill/>
+                  <a:ln w="57150">
+                    <a:solidFill>
+                      <a:schemeClr val="bg1"/>
+                    </a:solidFill>
+                  </a:ln>
+                </p:spPr>
+                <p:style>
+                  <a:lnRef idx="2">
+                    <a:schemeClr val="accent1">
+                      <a:shade val="50000"/>
+                    </a:schemeClr>
+                  </a:lnRef>
+                  <a:fillRef idx="1">
+                    <a:schemeClr val="accent1"/>
+                  </a:fillRef>
+                  <a:effectRef idx="0">
+                    <a:schemeClr val="accent1"/>
+                  </a:effectRef>
+                  <a:fontRef idx="minor">
+                    <a:schemeClr val="lt1"/>
+                  </a:fontRef>
+                </p:style>
+                <p:txBody>
+                  <a:bodyPr rtlCol="0" anchor="ctr"/>
+                  <a:lstStyle/>
+                  <a:p>
+                    <a:pPr algn="ctr"/>
+                    <a:endParaRPr lang="en-US"/>
+                  </a:p>
+                </p:txBody>
+              </p:sp>
+              <p:sp>
+                <p:nvSpPr>
+                  <p:cNvPr id="18" name="Rectangle 17">
+                    <a:extLst>
+                      <a:ext uri="{FF2B5EF4-FFF2-40B4-BE49-F238E27FC236}">
+                        <a16:creationId xmlns:a16="http://schemas.microsoft.com/office/drawing/2014/main" id="{2E2C4E31-B3F3-A473-08CA-F9A42E5A66E2}"/>
+                      </a:ext>
+                    </a:extLst>
+                  </p:cNvPr>
+                  <p:cNvSpPr/>
+                  <p:nvPr/>
+                </p:nvSpPr>
+                <p:spPr>
+                  <a:xfrm>
+                    <a:off x="6035784" y="2746364"/>
+                    <a:ext cx="1917656" cy="1819834"/>
+                  </a:xfrm>
+                  <a:prstGeom prst="rect">
+                    <a:avLst/>
+                  </a:prstGeom>
+                  <a:noFill/>
+                  <a:ln w="57150">
+                    <a:solidFill>
+                      <a:schemeClr val="bg1"/>
+                    </a:solidFill>
+                  </a:ln>
+                </p:spPr>
+                <p:style>
+                  <a:lnRef idx="2">
+                    <a:schemeClr val="accent1">
+                      <a:shade val="50000"/>
+                    </a:schemeClr>
+                  </a:lnRef>
+                  <a:fillRef idx="1">
+                    <a:schemeClr val="accent1"/>
+                  </a:fillRef>
+                  <a:effectRef idx="0">
+                    <a:schemeClr val="accent1"/>
+                  </a:effectRef>
+                  <a:fontRef idx="minor">
+                    <a:schemeClr val="lt1"/>
+                  </a:fontRef>
+                </p:style>
+                <p:txBody>
+                  <a:bodyPr rtlCol="0" anchor="ctr"/>
+                  <a:lstStyle/>
+                  <a:p>
+                    <a:pPr algn="ctr"/>
+                    <a:endParaRPr lang="en-US"/>
+                  </a:p>
+                </p:txBody>
+              </p:sp>
+              <p:sp>
+                <p:nvSpPr>
+                  <p:cNvPr id="19" name="Rectangle 18">
+                    <a:extLst>
+                      <a:ext uri="{FF2B5EF4-FFF2-40B4-BE49-F238E27FC236}">
+                        <a16:creationId xmlns:a16="http://schemas.microsoft.com/office/drawing/2014/main" id="{F278F139-65CA-71E1-D52E-30690AF8D5E1}"/>
+                      </a:ext>
+                    </a:extLst>
+                  </p:cNvPr>
+                  <p:cNvSpPr/>
+                  <p:nvPr/>
+                </p:nvSpPr>
+                <p:spPr>
+                  <a:xfrm>
+                    <a:off x="8127060" y="2746364"/>
+                    <a:ext cx="1917656" cy="1819834"/>
+                  </a:xfrm>
+                  <a:prstGeom prst="rect">
+                    <a:avLst/>
+                  </a:prstGeom>
+                  <a:noFill/>
+                  <a:ln w="57150">
+                    <a:solidFill>
+                      <a:schemeClr val="bg1"/>
+                    </a:solidFill>
+                  </a:ln>
+                </p:spPr>
+                <p:style>
+                  <a:lnRef idx="2">
+                    <a:schemeClr val="accent1">
+                      <a:shade val="50000"/>
+                    </a:schemeClr>
+                  </a:lnRef>
+                  <a:fillRef idx="1">
+                    <a:schemeClr val="accent1"/>
+                  </a:fillRef>
+                  <a:effectRef idx="0">
+                    <a:schemeClr val="accent1"/>
+                  </a:effectRef>
+                  <a:fontRef idx="minor">
+                    <a:schemeClr val="lt1"/>
+                  </a:fontRef>
+                </p:style>
+                <p:txBody>
+                  <a:bodyPr rtlCol="0" anchor="ctr"/>
+                  <a:lstStyle/>
+                  <a:p>
+                    <a:pPr algn="ctr"/>
+                    <a:endParaRPr lang="en-US"/>
+                  </a:p>
+                </p:txBody>
+              </p:sp>
+              <p:sp>
+                <p:nvSpPr>
+                  <p:cNvPr id="16" name="Rectangle 15">
+                    <a:extLst>
+                      <a:ext uri="{FF2B5EF4-FFF2-40B4-BE49-F238E27FC236}">
+                        <a16:creationId xmlns:a16="http://schemas.microsoft.com/office/drawing/2014/main" id="{1919CBF0-B20E-C585-E856-11FF290D3217}"/>
+                      </a:ext>
+                    </a:extLst>
+                  </p:cNvPr>
+                  <p:cNvSpPr/>
+                  <p:nvPr/>
+                </p:nvSpPr>
+                <p:spPr>
+                  <a:xfrm>
+                    <a:off x="1791979" y="2740499"/>
+                    <a:ext cx="1914716" cy="1819834"/>
+                  </a:xfrm>
+                  <a:prstGeom prst="rect">
+                    <a:avLst/>
+                  </a:prstGeom>
+                  <a:noFill/>
+                  <a:ln w="57150">
+                    <a:solidFill>
+                      <a:schemeClr val="accent4"/>
+                    </a:solidFill>
+                  </a:ln>
+                </p:spPr>
+                <p:style>
+                  <a:lnRef idx="2">
+                    <a:schemeClr val="accent1">
+                      <a:shade val="50000"/>
+                    </a:schemeClr>
+                  </a:lnRef>
+                  <a:fillRef idx="1">
+                    <a:schemeClr val="accent1"/>
+                  </a:fillRef>
+                  <a:effectRef idx="0">
+                    <a:schemeClr val="accent1"/>
+                  </a:effectRef>
+                  <a:fontRef idx="minor">
+                    <a:schemeClr val="lt1"/>
+                  </a:fontRef>
+                </p:style>
+                <p:txBody>
+                  <a:bodyPr rtlCol="0" anchor="ctr"/>
+                  <a:lstStyle/>
+                  <a:p>
+                    <a:pPr algn="ctr"/>
+                    <a:endParaRPr lang="en-US"/>
+                  </a:p>
+                </p:txBody>
+              </p:sp>
+              <p:pic>
+                <p:nvPicPr>
+                  <p:cNvPr id="15" name="Picture 14">
+                    <a:extLst>
+                      <a:ext uri="{FF2B5EF4-FFF2-40B4-BE49-F238E27FC236}">
+                        <a16:creationId xmlns:a16="http://schemas.microsoft.com/office/drawing/2014/main" id="{3096AE53-D3B4-057B-207E-1367DBB32F60}"/>
+                      </a:ext>
+                    </a:extLst>
+                  </p:cNvPr>
+                  <p:cNvPicPr>
+                    <a:picLocks noChangeAspect="1"/>
+                  </p:cNvPicPr>
+                  <p:nvPr/>
+                </p:nvPicPr>
+                <p:blipFill>
+                  <a:blip r:embed="rId2"/>
+                  <a:stretch>
+                    <a:fillRect/>
+                  </a:stretch>
+                </p:blipFill>
+                <p:spPr>
+                  <a:xfrm>
+                    <a:off x="894578" y="2056285"/>
+                    <a:ext cx="9170319" cy="2596203"/>
+                  </a:xfrm>
+                  <a:prstGeom prst="rect">
+                    <a:avLst/>
+                  </a:prstGeom>
+                </p:spPr>
+              </p:pic>
+            </p:grpSp>
+          </p:grpSp>
+          <p:sp>
+            <p:nvSpPr>
+              <p:cNvPr id="21" name="Rectangle 20">
+                <a:extLst>
+                  <a:ext uri="{FF2B5EF4-FFF2-40B4-BE49-F238E27FC236}">
+                    <a16:creationId xmlns:a16="http://schemas.microsoft.com/office/drawing/2014/main" id="{5C2454ED-9994-3FA5-BFB5-7E2B465EDAFE}"/>
+                  </a:ext>
+                </a:extLst>
+              </p:cNvPr>
+              <p:cNvSpPr/>
+              <p:nvPr/>
+            </p:nvSpPr>
+            <p:spPr>
+              <a:xfrm>
+                <a:off x="4114676" y="5606216"/>
+                <a:ext cx="2069668" cy="733216"/>
+              </a:xfrm>
+              <a:prstGeom prst="rect">
+                <a:avLst/>
+              </a:prstGeom>
+              <a:noFill/>
+              <a:ln w="57150">
+                <a:solidFill>
+                  <a:schemeClr val="bg1"/>
+                </a:solidFill>
+              </a:ln>
+            </p:spPr>
+            <p:style>
+              <a:lnRef idx="2">
+                <a:schemeClr val="accent1">
+                  <a:shade val="50000"/>
+                </a:schemeClr>
+              </a:lnRef>
+              <a:fillRef idx="1">
+                <a:schemeClr val="accent1"/>
+              </a:fillRef>
+              <a:effectRef idx="0">
+                <a:schemeClr val="accent1"/>
+              </a:effectRef>
+              <a:fontRef idx="minor">
+                <a:schemeClr val="lt1"/>
+              </a:fontRef>
+            </p:style>
+            <p:txBody>
+              <a:bodyPr rtlCol="0" anchor="ctr"/>
+              <a:lstStyle/>
+              <a:p>
+                <a:pPr algn="ctr"/>
+                <a:r>
+                  <a:rPr lang="en-US" dirty="0">
+                    <a:solidFill>
+                      <a:schemeClr val="bg1"/>
+                    </a:solidFill>
+                    <a:latin typeface="Lato" panose="020F0502020204030203" pitchFamily="34" charset="77"/>
+                  </a:rPr>
+                  <a:t>Large coefficients and SE</a:t>
+                </a:r>
+              </a:p>
+            </p:txBody>
+          </p:sp>
+          <p:sp>
+            <p:nvSpPr>
+              <p:cNvPr id="22" name="Rectangle 21">
+                <a:extLst>
+                  <a:ext uri="{FF2B5EF4-FFF2-40B4-BE49-F238E27FC236}">
+                    <a16:creationId xmlns:a16="http://schemas.microsoft.com/office/drawing/2014/main" id="{6D96C051-6928-EB3D-D19B-E40439D748D2}"/>
+                  </a:ext>
+                </a:extLst>
+              </p:cNvPr>
+              <p:cNvSpPr/>
+              <p:nvPr/>
+            </p:nvSpPr>
+            <p:spPr>
+              <a:xfrm>
+                <a:off x="6298015" y="5609323"/>
+                <a:ext cx="1914716" cy="730110"/>
+              </a:xfrm>
+              <a:prstGeom prst="rect">
+                <a:avLst/>
+              </a:prstGeom>
+              <a:noFill/>
+              <a:ln w="57150">
+                <a:solidFill>
+                  <a:schemeClr val="bg1"/>
+                </a:solidFill>
+              </a:ln>
+            </p:spPr>
+            <p:style>
+              <a:lnRef idx="2">
+                <a:schemeClr val="accent1">
+                  <a:shade val="50000"/>
+                </a:schemeClr>
+              </a:lnRef>
+              <a:fillRef idx="1">
+                <a:schemeClr val="accent1"/>
+              </a:fillRef>
+              <a:effectRef idx="0">
+                <a:schemeClr val="accent1"/>
+              </a:effectRef>
+              <a:fontRef idx="minor">
+                <a:schemeClr val="lt1"/>
+              </a:fontRef>
+            </p:style>
+            <p:txBody>
+              <a:bodyPr rtlCol="0" anchor="ctr"/>
+              <a:lstStyle/>
+              <a:p>
+                <a:pPr algn="ctr"/>
+                <a:r>
+                  <a:rPr lang="en-US" dirty="0">
+                    <a:solidFill>
+                      <a:schemeClr val="bg1"/>
+                    </a:solidFill>
+                    <a:latin typeface="Lato" panose="020F0502020204030203" pitchFamily="34" charset="77"/>
+                  </a:rPr>
+                  <a:t>Large SE</a:t>
+                </a:r>
+              </a:p>
+            </p:txBody>
+          </p:sp>
+          <p:sp>
+            <p:nvSpPr>
+              <p:cNvPr id="23" name="Rectangle 22">
+                <a:extLst>
+                  <a:ext uri="{FF2B5EF4-FFF2-40B4-BE49-F238E27FC236}">
+                    <a16:creationId xmlns:a16="http://schemas.microsoft.com/office/drawing/2014/main" id="{82700F5A-CAC5-F394-7812-910999B9424B}"/>
+                  </a:ext>
+                </a:extLst>
+              </p:cNvPr>
+              <p:cNvSpPr/>
+              <p:nvPr/>
+            </p:nvSpPr>
+            <p:spPr>
+              <a:xfrm>
+                <a:off x="8386094" y="5606215"/>
+                <a:ext cx="1923794" cy="730110"/>
+              </a:xfrm>
+              <a:prstGeom prst="rect">
+                <a:avLst/>
+              </a:prstGeom>
+              <a:noFill/>
+              <a:ln w="57150">
+                <a:solidFill>
+                  <a:schemeClr val="bg1"/>
+                </a:solidFill>
+              </a:ln>
+            </p:spPr>
+            <p:style>
+              <a:lnRef idx="2">
+                <a:schemeClr val="accent1">
+                  <a:shade val="50000"/>
+                </a:schemeClr>
+              </a:lnRef>
+              <a:fillRef idx="1">
+                <a:schemeClr val="accent1"/>
+              </a:fillRef>
+              <a:effectRef idx="0">
+                <a:schemeClr val="accent1"/>
+              </a:effectRef>
+              <a:fontRef idx="minor">
+                <a:schemeClr val="lt1"/>
+              </a:fontRef>
+            </p:style>
+            <p:txBody>
+              <a:bodyPr rtlCol="0" anchor="ctr"/>
+              <a:lstStyle/>
+              <a:p>
+                <a:pPr algn="ctr"/>
+                <a:r>
+                  <a:rPr lang="en-US" dirty="0">
+                    <a:solidFill>
+                      <a:schemeClr val="bg1"/>
+                    </a:solidFill>
+                    <a:latin typeface="Lato" panose="020F0502020204030203" pitchFamily="34" charset="77"/>
+                  </a:rPr>
+                  <a:t>Large coefficients and SE</a:t>
+                </a:r>
+              </a:p>
+            </p:txBody>
+          </p:sp>
+        </p:grpSp>
+      </p:grpSp>
     </p:spTree>
     <p:extLst>
       <p:ext uri="{BB962C8B-B14F-4D97-AF65-F5344CB8AC3E}">
@@ -15852,10 +17317,10 @@
       </p:sp>
       <p:grpSp>
         <p:nvGrpSpPr>
-          <p:cNvPr id="32" name="Group 31">
-            <a:extLst>
-              <a:ext uri="{FF2B5EF4-FFF2-40B4-BE49-F238E27FC236}">
-                <a16:creationId xmlns:a16="http://schemas.microsoft.com/office/drawing/2014/main" id="{D98F48B5-6B47-485F-F10F-F5CD2DC10B95}"/>
+          <p:cNvPr id="37" name="Group 36">
+            <a:extLst>
+              <a:ext uri="{FF2B5EF4-FFF2-40B4-BE49-F238E27FC236}">
+                <a16:creationId xmlns:a16="http://schemas.microsoft.com/office/drawing/2014/main" id="{639D8AED-8E3E-F775-7FEF-FB4698047675}"/>
               </a:ext>
             </a:extLst>
           </p:cNvPr>
@@ -15865,17 +17330,17 @@
         <p:grpSpPr>
           <a:xfrm>
             <a:off x="1156809" y="2571785"/>
-            <a:ext cx="9170319" cy="3019984"/>
-            <a:chOff x="1268929" y="1749439"/>
-            <a:chExt cx="9170319" cy="3019984"/>
+            <a:ext cx="9263668" cy="3767648"/>
+            <a:chOff x="1156809" y="2571785"/>
+            <a:chExt cx="9263668" cy="3767648"/>
           </a:xfrm>
         </p:grpSpPr>
         <p:grpSp>
           <p:nvGrpSpPr>
-            <p:cNvPr id="27" name="Group 26">
+            <p:cNvPr id="4" name="Group 3">
               <a:extLst>
                 <a:ext uri="{FF2B5EF4-FFF2-40B4-BE49-F238E27FC236}">
-                  <a16:creationId xmlns:a16="http://schemas.microsoft.com/office/drawing/2014/main" id="{4E1BF410-4244-274F-AD9F-A22FB5519AA9}"/>
+                  <a16:creationId xmlns:a16="http://schemas.microsoft.com/office/drawing/2014/main" id="{DD5DA247-48C7-967D-EB2B-B7EB2C7748C0}"/>
                 </a:ext>
               </a:extLst>
             </p:cNvPr>
@@ -15884,48 +17349,18 @@
           </p:nvGrpSpPr>
           <p:grpSpPr>
             <a:xfrm>
-              <a:off x="1268929" y="1749439"/>
-              <a:ext cx="9170319" cy="2596203"/>
-              <a:chOff x="894578" y="2056285"/>
-              <a:chExt cx="9170319" cy="2596203"/>
+              <a:off x="1156809" y="2571785"/>
+              <a:ext cx="9170319" cy="3767648"/>
+              <a:chOff x="1156809" y="2571785"/>
+              <a:chExt cx="9170319" cy="3767648"/>
             </a:xfrm>
           </p:grpSpPr>
-          <p:pic>
-            <p:nvPicPr>
-              <p:cNvPr id="14" name="Picture 13">
+          <p:sp>
+            <p:nvSpPr>
+              <p:cNvPr id="7" name="Rectangle 6">
                 <a:extLst>
                   <a:ext uri="{FF2B5EF4-FFF2-40B4-BE49-F238E27FC236}">
-                    <a16:creationId xmlns:a16="http://schemas.microsoft.com/office/drawing/2014/main" id="{74A70ABA-6AD5-5BA6-3474-20C858503C2D}"/>
-                  </a:ext>
-                </a:extLst>
-              </p:cNvPr>
-              <p:cNvPicPr>
-                <a:picLocks noChangeAspect="1"/>
-              </p:cNvPicPr>
-              <p:nvPr/>
-            </p:nvPicPr>
-            <p:blipFill>
-              <a:blip r:embed="rId2"/>
-              <a:stretch>
-                <a:fillRect/>
-              </a:stretch>
-            </p:blipFill>
-            <p:spPr>
-              <a:xfrm>
-                <a:off x="894578" y="2056285"/>
-                <a:ext cx="9170319" cy="2596203"/>
-              </a:xfrm>
-              <a:prstGeom prst="rect">
-                <a:avLst/>
-              </a:prstGeom>
-            </p:spPr>
-          </p:pic>
-          <p:sp>
-            <p:nvSpPr>
-              <p:cNvPr id="16" name="Rectangle 15">
-                <a:extLst>
-                  <a:ext uri="{FF2B5EF4-FFF2-40B4-BE49-F238E27FC236}">
-                    <a16:creationId xmlns:a16="http://schemas.microsoft.com/office/drawing/2014/main" id="{37FE0A29-51B1-5B34-8A1F-C81C62E612D2}"/>
+                    <a16:creationId xmlns:a16="http://schemas.microsoft.com/office/drawing/2014/main" id="{15FEE9C4-4BFD-EE87-6B50-E14DDC6B5F66}"/>
                   </a:ext>
                 </a:extLst>
               </p:cNvPr>
@@ -15934,8 +17369,8 @@
             </p:nvSpPr>
             <p:spPr>
               <a:xfrm>
-                <a:off x="1791979" y="2740499"/>
-                <a:ext cx="1914716" cy="1819834"/>
+                <a:off x="4114676" y="5606216"/>
+                <a:ext cx="2069668" cy="733216"/>
               </a:xfrm>
               <a:prstGeom prst="rect">
                 <a:avLst/>
@@ -15943,7 +17378,7 @@
               <a:noFill/>
               <a:ln w="57150">
                 <a:solidFill>
-                  <a:schemeClr val="accent4"/>
+                  <a:schemeClr val="bg1"/>
                 </a:solidFill>
               </a:ln>
             </p:spPr>
@@ -15968,16 +17403,23 @@
               <a:lstStyle/>
               <a:p>
                 <a:pPr algn="ctr"/>
-                <a:endParaRPr lang="en-US"/>
+                <a:r>
+                  <a:rPr lang="en-US" dirty="0">
+                    <a:solidFill>
+                      <a:schemeClr val="bg1"/>
+                    </a:solidFill>
+                  </a:rPr>
+                  <a:t>Large coefficients and SE</a:t>
+                </a:r>
               </a:p>
             </p:txBody>
           </p:sp>
           <p:sp>
             <p:nvSpPr>
-              <p:cNvPr id="20" name="Rectangle 19">
+              <p:cNvPr id="9" name="Rectangle 8">
                 <a:extLst>
                   <a:ext uri="{FF2B5EF4-FFF2-40B4-BE49-F238E27FC236}">
-                    <a16:creationId xmlns:a16="http://schemas.microsoft.com/office/drawing/2014/main" id="{A6DC856B-C2B6-A88E-804F-5F40876246D2}"/>
+                    <a16:creationId xmlns:a16="http://schemas.microsoft.com/office/drawing/2014/main" id="{AB676E5B-4D7E-D819-F60E-CC4DC30EE1B8}"/>
                   </a:ext>
                 </a:extLst>
               </p:cNvPr>
@@ -15986,8 +17428,8 @@
             </p:nvSpPr>
             <p:spPr>
               <a:xfrm>
-                <a:off x="3852445" y="2746364"/>
-                <a:ext cx="2069669" cy="1819834"/>
+                <a:off x="6298015" y="5609323"/>
+                <a:ext cx="1914716" cy="730110"/>
               </a:xfrm>
               <a:prstGeom prst="rect">
                 <a:avLst/>
@@ -15995,7 +17437,7 @@
               <a:noFill/>
               <a:ln w="57150">
                 <a:solidFill>
-                  <a:schemeClr val="accent5"/>
+                  <a:schemeClr val="bg1"/>
                 </a:solidFill>
               </a:ln>
             </p:spPr>
@@ -16020,16 +17462,23 @@
               <a:lstStyle/>
               <a:p>
                 <a:pPr algn="ctr"/>
-                <a:endParaRPr lang="en-US"/>
+                <a:r>
+                  <a:rPr lang="en-US" dirty="0">
+                    <a:solidFill>
+                      <a:schemeClr val="bg1"/>
+                    </a:solidFill>
+                  </a:rPr>
+                  <a:t>Large SE</a:t>
+                </a:r>
               </a:p>
             </p:txBody>
           </p:sp>
           <p:sp>
             <p:nvSpPr>
-              <p:cNvPr id="24" name="Rectangle 23">
+              <p:cNvPr id="11" name="Rectangle 10">
                 <a:extLst>
                   <a:ext uri="{FF2B5EF4-FFF2-40B4-BE49-F238E27FC236}">
-                    <a16:creationId xmlns:a16="http://schemas.microsoft.com/office/drawing/2014/main" id="{EEDD44E8-6F23-0FD1-B1BC-E3DB23BE7DFF}"/>
+                    <a16:creationId xmlns:a16="http://schemas.microsoft.com/office/drawing/2014/main" id="{97AF0DC4-B9BF-7D2F-56F9-90C0990FA838}"/>
                   </a:ext>
                 </a:extLst>
               </p:cNvPr>
@@ -16038,8 +17487,8 @@
             </p:nvSpPr>
             <p:spPr>
               <a:xfrm>
-                <a:off x="6035784" y="2746364"/>
-                <a:ext cx="1917656" cy="1819834"/>
+                <a:off x="8386094" y="5606215"/>
+                <a:ext cx="1923794" cy="730110"/>
               </a:xfrm>
               <a:prstGeom prst="rect">
                 <a:avLst/>
@@ -16047,7 +17496,7 @@
               <a:noFill/>
               <a:ln w="57150">
                 <a:solidFill>
-                  <a:schemeClr val="accent6"/>
+                  <a:schemeClr val="bg1"/>
                 </a:solidFill>
               </a:ln>
             </p:spPr>
@@ -16072,69 +17521,430 @@
               <a:lstStyle/>
               <a:p>
                 <a:pPr algn="ctr"/>
-                <a:endParaRPr lang="en-US"/>
+                <a:r>
+                  <a:rPr lang="en-US" dirty="0">
+                    <a:solidFill>
+                      <a:schemeClr val="bg1"/>
+                    </a:solidFill>
+                    <a:latin typeface="Lato" panose="020F0502020204030203" pitchFamily="34" charset="77"/>
+                  </a:rPr>
+                  <a:t>Large coefficients and SE</a:t>
+                </a:r>
               </a:p>
             </p:txBody>
           </p:sp>
-          <p:sp>
-            <p:nvSpPr>
-              <p:cNvPr id="26" name="Rectangle 25">
+          <p:grpSp>
+            <p:nvGrpSpPr>
+              <p:cNvPr id="5" name="Group 4">
                 <a:extLst>
                   <a:ext uri="{FF2B5EF4-FFF2-40B4-BE49-F238E27FC236}">
-                    <a16:creationId xmlns:a16="http://schemas.microsoft.com/office/drawing/2014/main" id="{33367014-13C2-CFA2-ED4F-BB1D8830585D}"/>
+                    <a16:creationId xmlns:a16="http://schemas.microsoft.com/office/drawing/2014/main" id="{01E2794A-2FAE-A41F-4621-1DF29545FC2B}"/>
                   </a:ext>
                 </a:extLst>
               </p:cNvPr>
-              <p:cNvSpPr/>
+              <p:cNvGrpSpPr/>
               <p:nvPr/>
-            </p:nvSpPr>
-            <p:spPr>
+            </p:nvGrpSpPr>
+            <p:grpSpPr>
               <a:xfrm>
-                <a:off x="8127060" y="2746364"/>
-                <a:ext cx="1917656" cy="1819834"/>
+                <a:off x="1156809" y="2571785"/>
+                <a:ext cx="9170319" cy="3019984"/>
+                <a:chOff x="1268929" y="1749439"/>
+                <a:chExt cx="9170319" cy="3019984"/>
               </a:xfrm>
-              <a:prstGeom prst="rect">
-                <a:avLst/>
-              </a:prstGeom>
-              <a:noFill/>
-              <a:ln w="57150">
+            </p:grpSpPr>
+            <p:grpSp>
+              <p:nvGrpSpPr>
+                <p:cNvPr id="12" name="Group 11">
+                  <a:extLst>
+                    <a:ext uri="{FF2B5EF4-FFF2-40B4-BE49-F238E27FC236}">
+                      <a16:creationId xmlns:a16="http://schemas.microsoft.com/office/drawing/2014/main" id="{AC25FDEB-A691-47CB-6ED1-71D8883820FB}"/>
+                    </a:ext>
+                  </a:extLst>
+                </p:cNvPr>
+                <p:cNvGrpSpPr/>
+                <p:nvPr/>
+              </p:nvGrpSpPr>
+              <p:grpSpPr>
+                <a:xfrm>
+                  <a:off x="1268929" y="1749439"/>
+                  <a:ext cx="9170319" cy="2596203"/>
+                  <a:chOff x="894578" y="2056285"/>
+                  <a:chExt cx="9170319" cy="2596203"/>
+                </a:xfrm>
+              </p:grpSpPr>
+              <p:pic>
+                <p:nvPicPr>
+                  <p:cNvPr id="21" name="Picture 20">
+                    <a:extLst>
+                      <a:ext uri="{FF2B5EF4-FFF2-40B4-BE49-F238E27FC236}">
+                        <a16:creationId xmlns:a16="http://schemas.microsoft.com/office/drawing/2014/main" id="{97328F14-CE9A-A509-FF2C-28091710DB35}"/>
+                      </a:ext>
+                    </a:extLst>
+                  </p:cNvPr>
+                  <p:cNvPicPr>
+                    <a:picLocks noChangeAspect="1"/>
+                  </p:cNvPicPr>
+                  <p:nvPr/>
+                </p:nvPicPr>
+                <p:blipFill>
+                  <a:blip r:embed="rId2"/>
+                  <a:stretch>
+                    <a:fillRect/>
+                  </a:stretch>
+                </p:blipFill>
+                <p:spPr>
+                  <a:xfrm>
+                    <a:off x="894578" y="2056285"/>
+                    <a:ext cx="9170319" cy="2596203"/>
+                  </a:xfrm>
+                  <a:prstGeom prst="rect">
+                    <a:avLst/>
+                  </a:prstGeom>
+                </p:spPr>
+              </p:pic>
+              <p:sp>
+                <p:nvSpPr>
+                  <p:cNvPr id="22" name="Rectangle 21">
+                    <a:extLst>
+                      <a:ext uri="{FF2B5EF4-FFF2-40B4-BE49-F238E27FC236}">
+                        <a16:creationId xmlns:a16="http://schemas.microsoft.com/office/drawing/2014/main" id="{034D9868-3743-F673-527C-3F8FC68D0DF4}"/>
+                      </a:ext>
+                    </a:extLst>
+                  </p:cNvPr>
+                  <p:cNvSpPr/>
+                  <p:nvPr/>
+                </p:nvSpPr>
+                <p:spPr>
+                  <a:xfrm>
+                    <a:off x="1791979" y="2740499"/>
+                    <a:ext cx="1914716" cy="1819834"/>
+                  </a:xfrm>
+                  <a:prstGeom prst="rect">
+                    <a:avLst/>
+                  </a:prstGeom>
+                  <a:noFill/>
+                  <a:ln w="57150">
+                    <a:solidFill>
+                      <a:schemeClr val="accent4"/>
+                    </a:solidFill>
+                  </a:ln>
+                </p:spPr>
+                <p:style>
+                  <a:lnRef idx="2">
+                    <a:schemeClr val="accent1">
+                      <a:shade val="50000"/>
+                    </a:schemeClr>
+                  </a:lnRef>
+                  <a:fillRef idx="1">
+                    <a:schemeClr val="accent1"/>
+                  </a:fillRef>
+                  <a:effectRef idx="0">
+                    <a:schemeClr val="accent1"/>
+                  </a:effectRef>
+                  <a:fontRef idx="minor">
+                    <a:schemeClr val="lt1"/>
+                  </a:fontRef>
+                </p:style>
+                <p:txBody>
+                  <a:bodyPr rtlCol="0" anchor="ctr"/>
+                  <a:lstStyle/>
+                  <a:p>
+                    <a:pPr algn="ctr"/>
+                    <a:endParaRPr lang="en-US"/>
+                  </a:p>
+                </p:txBody>
+              </p:sp>
+              <p:sp>
+                <p:nvSpPr>
+                  <p:cNvPr id="23" name="Rectangle 22">
+                    <a:extLst>
+                      <a:ext uri="{FF2B5EF4-FFF2-40B4-BE49-F238E27FC236}">
+                        <a16:creationId xmlns:a16="http://schemas.microsoft.com/office/drawing/2014/main" id="{D2F1E94C-DE5B-1630-BC13-18707B1E48B5}"/>
+                      </a:ext>
+                    </a:extLst>
+                  </p:cNvPr>
+                  <p:cNvSpPr/>
+                  <p:nvPr/>
+                </p:nvSpPr>
+                <p:spPr>
+                  <a:xfrm>
+                    <a:off x="3852445" y="2746364"/>
+                    <a:ext cx="2069669" cy="1819834"/>
+                  </a:xfrm>
+                  <a:prstGeom prst="rect">
+                    <a:avLst/>
+                  </a:prstGeom>
+                  <a:noFill/>
+                  <a:ln w="57150">
+                    <a:solidFill>
+                      <a:schemeClr val="accent5"/>
+                    </a:solidFill>
+                  </a:ln>
+                </p:spPr>
+                <p:style>
+                  <a:lnRef idx="2">
+                    <a:schemeClr val="accent1">
+                      <a:shade val="50000"/>
+                    </a:schemeClr>
+                  </a:lnRef>
+                  <a:fillRef idx="1">
+                    <a:schemeClr val="accent1"/>
+                  </a:fillRef>
+                  <a:effectRef idx="0">
+                    <a:schemeClr val="accent1"/>
+                  </a:effectRef>
+                  <a:fontRef idx="minor">
+                    <a:schemeClr val="lt1"/>
+                  </a:fontRef>
+                </p:style>
+                <p:txBody>
+                  <a:bodyPr rtlCol="0" anchor="ctr"/>
+                  <a:lstStyle/>
+                  <a:p>
+                    <a:pPr algn="ctr"/>
+                    <a:endParaRPr lang="en-US"/>
+                  </a:p>
+                </p:txBody>
+              </p:sp>
+              <p:sp>
+                <p:nvSpPr>
+                  <p:cNvPr id="25" name="Rectangle 24">
+                    <a:extLst>
+                      <a:ext uri="{FF2B5EF4-FFF2-40B4-BE49-F238E27FC236}">
+                        <a16:creationId xmlns:a16="http://schemas.microsoft.com/office/drawing/2014/main" id="{6FCF9C24-7C9B-EC0E-308D-F2C3690D1A5F}"/>
+                      </a:ext>
+                    </a:extLst>
+                  </p:cNvPr>
+                  <p:cNvSpPr/>
+                  <p:nvPr/>
+                </p:nvSpPr>
+                <p:spPr>
+                  <a:xfrm>
+                    <a:off x="6035784" y="2746364"/>
+                    <a:ext cx="1917656" cy="1819834"/>
+                  </a:xfrm>
+                  <a:prstGeom prst="rect">
+                    <a:avLst/>
+                  </a:prstGeom>
+                  <a:noFill/>
+                  <a:ln w="57150">
+                    <a:solidFill>
+                      <a:schemeClr val="accent6"/>
+                    </a:solidFill>
+                  </a:ln>
+                </p:spPr>
+                <p:style>
+                  <a:lnRef idx="2">
+                    <a:schemeClr val="accent1">
+                      <a:shade val="50000"/>
+                    </a:schemeClr>
+                  </a:lnRef>
+                  <a:fillRef idx="1">
+                    <a:schemeClr val="accent1"/>
+                  </a:fillRef>
+                  <a:effectRef idx="0">
+                    <a:schemeClr val="accent1"/>
+                  </a:effectRef>
+                  <a:fontRef idx="minor">
+                    <a:schemeClr val="lt1"/>
+                  </a:fontRef>
+                </p:style>
+                <p:txBody>
+                  <a:bodyPr rtlCol="0" anchor="ctr"/>
+                  <a:lstStyle/>
+                  <a:p>
+                    <a:pPr algn="ctr"/>
+                    <a:endParaRPr lang="en-US"/>
+                  </a:p>
+                </p:txBody>
+              </p:sp>
+            </p:grpSp>
+            <p:sp>
+              <p:nvSpPr>
+                <p:cNvPr id="15" name="Rectangle 14">
+                  <a:extLst>
+                    <a:ext uri="{FF2B5EF4-FFF2-40B4-BE49-F238E27FC236}">
+                      <a16:creationId xmlns:a16="http://schemas.microsoft.com/office/drawing/2014/main" id="{457A07CA-617D-F33D-30B9-C0FE8E58D5B3}"/>
+                    </a:ext>
+                  </a:extLst>
+                </p:cNvPr>
+                <p:cNvSpPr/>
+                <p:nvPr/>
+              </p:nvSpPr>
+              <p:spPr>
+                <a:xfrm>
+                  <a:off x="2166330" y="4253487"/>
+                  <a:ext cx="1914716" cy="508757"/>
+                </a:xfrm>
+                <a:prstGeom prst="rect">
+                  <a:avLst/>
+                </a:prstGeom>
                 <a:solidFill>
-                  <a:srgbClr val="F18031"/>
+                  <a:schemeClr val="accent4"/>
                 </a:solidFill>
-              </a:ln>
-            </p:spPr>
-            <p:style>
-              <a:lnRef idx="2">
-                <a:schemeClr val="accent1">
-                  <a:shade val="50000"/>
-                </a:schemeClr>
-              </a:lnRef>
-              <a:fillRef idx="1">
-                <a:schemeClr val="accent1"/>
-              </a:fillRef>
-              <a:effectRef idx="0">
-                <a:schemeClr val="accent1"/>
-              </a:effectRef>
-              <a:fontRef idx="minor">
-                <a:schemeClr val="lt1"/>
-              </a:fontRef>
-            </p:style>
-            <p:txBody>
-              <a:bodyPr rtlCol="0" anchor="ctr"/>
-              <a:lstStyle/>
-              <a:p>
-                <a:pPr algn="ctr"/>
-                <a:endParaRPr lang="en-US"/>
-              </a:p>
-            </p:txBody>
-          </p:sp>
+                <a:ln w="57150">
+                  <a:solidFill>
+                    <a:schemeClr val="accent4"/>
+                  </a:solidFill>
+                </a:ln>
+              </p:spPr>
+              <p:style>
+                <a:lnRef idx="2">
+                  <a:schemeClr val="accent1">
+                    <a:shade val="50000"/>
+                  </a:schemeClr>
+                </a:lnRef>
+                <a:fillRef idx="1">
+                  <a:schemeClr val="accent1"/>
+                </a:fillRef>
+                <a:effectRef idx="0">
+                  <a:schemeClr val="accent1"/>
+                </a:effectRef>
+                <a:fontRef idx="minor">
+                  <a:schemeClr val="lt1"/>
+                </a:fontRef>
+              </p:style>
+              <p:txBody>
+                <a:bodyPr rtlCol="0" anchor="ctr"/>
+                <a:lstStyle/>
+                <a:p>
+                  <a:pPr algn="ctr"/>
+                  <a:r>
+                    <a:rPr lang="en-US" dirty="0">
+                      <a:latin typeface="Lato" panose="020F0502020204030203" pitchFamily="34" charset="77"/>
+                    </a:rPr>
+                    <a:t>Model 1: x1 only</a:t>
+                  </a:r>
+                </a:p>
+              </p:txBody>
+            </p:sp>
+            <p:sp>
+              <p:nvSpPr>
+                <p:cNvPr id="17" name="Rectangle 16">
+                  <a:extLst>
+                    <a:ext uri="{FF2B5EF4-FFF2-40B4-BE49-F238E27FC236}">
+                      <a16:creationId xmlns:a16="http://schemas.microsoft.com/office/drawing/2014/main" id="{3D01F5A8-8927-ADF3-A2BC-EC6731908010}"/>
+                    </a:ext>
+                  </a:extLst>
+                </p:cNvPr>
+                <p:cNvSpPr/>
+                <p:nvPr/>
+              </p:nvSpPr>
+              <p:spPr>
+                <a:xfrm>
+                  <a:off x="4226796" y="4255552"/>
+                  <a:ext cx="2069668" cy="508757"/>
+                </a:xfrm>
+                <a:prstGeom prst="rect">
+                  <a:avLst/>
+                </a:prstGeom>
+                <a:solidFill>
+                  <a:schemeClr val="accent5"/>
+                </a:solidFill>
+                <a:ln w="57150">
+                  <a:solidFill>
+                    <a:schemeClr val="accent5"/>
+                  </a:solidFill>
+                </a:ln>
+              </p:spPr>
+              <p:style>
+                <a:lnRef idx="2">
+                  <a:schemeClr val="accent1">
+                    <a:shade val="50000"/>
+                  </a:schemeClr>
+                </a:lnRef>
+                <a:fillRef idx="1">
+                  <a:schemeClr val="accent1"/>
+                </a:fillRef>
+                <a:effectRef idx="0">
+                  <a:schemeClr val="accent1"/>
+                </a:effectRef>
+                <a:fontRef idx="minor">
+                  <a:schemeClr val="lt1"/>
+                </a:fontRef>
+              </p:style>
+              <p:txBody>
+                <a:bodyPr rtlCol="0" anchor="ctr"/>
+                <a:lstStyle/>
+                <a:p>
+                  <a:pPr algn="ctr"/>
+                  <a:r>
+                    <a:rPr lang="en-US" dirty="0">
+                      <a:latin typeface="Lato" panose="020F0502020204030203" pitchFamily="34" charset="77"/>
+                    </a:rPr>
+                    <a:t>Model 2: x1 and x2</a:t>
+                  </a:r>
+                </a:p>
+              </p:txBody>
+            </p:sp>
+            <p:sp>
+              <p:nvSpPr>
+                <p:cNvPr id="18" name="Rectangle 17">
+                  <a:extLst>
+                    <a:ext uri="{FF2B5EF4-FFF2-40B4-BE49-F238E27FC236}">
+                      <a16:creationId xmlns:a16="http://schemas.microsoft.com/office/drawing/2014/main" id="{BEEFD1B3-6B90-CB67-CFCB-8CF4A06CD047}"/>
+                    </a:ext>
+                  </a:extLst>
+                </p:cNvPr>
+                <p:cNvSpPr/>
+                <p:nvPr/>
+              </p:nvSpPr>
+              <p:spPr>
+                <a:xfrm>
+                  <a:off x="6410135" y="4260666"/>
+                  <a:ext cx="1914716" cy="508757"/>
+                </a:xfrm>
+                <a:prstGeom prst="rect">
+                  <a:avLst/>
+                </a:prstGeom>
+                <a:solidFill>
+                  <a:schemeClr val="accent6"/>
+                </a:solidFill>
+                <a:ln w="57150">
+                  <a:solidFill>
+                    <a:schemeClr val="accent6"/>
+                  </a:solidFill>
+                </a:ln>
+              </p:spPr>
+              <p:style>
+                <a:lnRef idx="2">
+                  <a:schemeClr val="accent1">
+                    <a:shade val="50000"/>
+                  </a:schemeClr>
+                </a:lnRef>
+                <a:fillRef idx="1">
+                  <a:schemeClr val="accent1"/>
+                </a:fillRef>
+                <a:effectRef idx="0">
+                  <a:schemeClr val="accent1"/>
+                </a:effectRef>
+                <a:fontRef idx="minor">
+                  <a:schemeClr val="lt1"/>
+                </a:fontRef>
+              </p:style>
+              <p:txBody>
+                <a:bodyPr rtlCol="0" anchor="ctr"/>
+                <a:lstStyle/>
+                <a:p>
+                  <a:pPr algn="ctr"/>
+                  <a:r>
+                    <a:rPr lang="en-US" dirty="0">
+                      <a:latin typeface="Lato" panose="020F0502020204030203" pitchFamily="34" charset="77"/>
+                    </a:rPr>
+                    <a:t>Model 3: x3 only</a:t>
+                  </a:r>
+                </a:p>
+              </p:txBody>
+            </p:sp>
+          </p:grpSp>
         </p:grpSp>
         <p:sp>
           <p:nvSpPr>
-            <p:cNvPr id="28" name="Rectangle 27">
+            <p:cNvPr id="34" name="Rectangle 33">
               <a:extLst>
                 <a:ext uri="{FF2B5EF4-FFF2-40B4-BE49-F238E27FC236}">
-                  <a16:creationId xmlns:a16="http://schemas.microsoft.com/office/drawing/2014/main" id="{E6C9212C-473D-9449-D561-96F3D8880B5B}"/>
+                  <a16:creationId xmlns:a16="http://schemas.microsoft.com/office/drawing/2014/main" id="{1B1E737A-EC1D-59D7-F7C5-18B14122CABE}"/>
                 </a:ext>
               </a:extLst>
             </p:cNvPr>
@@ -16143,18 +17953,16 @@
           </p:nvSpPr>
           <p:spPr>
             <a:xfrm>
-              <a:off x="2166330" y="4253487"/>
-              <a:ext cx="1914716" cy="508757"/>
+              <a:off x="8389290" y="3261864"/>
+              <a:ext cx="2031187" cy="1819834"/>
             </a:xfrm>
             <a:prstGeom prst="rect">
               <a:avLst/>
             </a:prstGeom>
-            <a:solidFill>
-              <a:schemeClr val="accent4"/>
-            </a:solidFill>
+            <a:noFill/>
             <a:ln w="57150">
               <a:solidFill>
-                <a:schemeClr val="accent4"/>
+                <a:srgbClr val="F18031"/>
               </a:solidFill>
             </a:ln>
           </p:spPr>
@@ -16179,19 +17987,16 @@
             <a:lstStyle/>
             <a:p>
               <a:pPr algn="ctr"/>
-              <a:r>
-                <a:rPr lang="en-US" dirty="0"/>
-                <a:t>Model 1: x1 only</a:t>
-              </a:r>
+              <a:endParaRPr lang="en-US"/>
             </a:p>
           </p:txBody>
         </p:sp>
         <p:sp>
           <p:nvSpPr>
-            <p:cNvPr id="29" name="Rectangle 28">
+            <p:cNvPr id="35" name="Rectangle 34">
               <a:extLst>
                 <a:ext uri="{FF2B5EF4-FFF2-40B4-BE49-F238E27FC236}">
-                  <a16:creationId xmlns:a16="http://schemas.microsoft.com/office/drawing/2014/main" id="{9DCB2D41-2E80-3B94-750B-DCC6F5A5589B}"/>
+                  <a16:creationId xmlns:a16="http://schemas.microsoft.com/office/drawing/2014/main" id="{CFB3AD2E-5450-2B29-2227-EE4DAA4FB767}"/>
                 </a:ext>
               </a:extLst>
             </p:cNvPr>
@@ -16200,122 +18005,8 @@
           </p:nvSpPr>
           <p:spPr>
             <a:xfrm>
-              <a:off x="4226796" y="4255552"/>
-              <a:ext cx="2069668" cy="508757"/>
-            </a:xfrm>
-            <a:prstGeom prst="rect">
-              <a:avLst/>
-            </a:prstGeom>
-            <a:solidFill>
-              <a:schemeClr val="accent5"/>
-            </a:solidFill>
-            <a:ln w="57150">
-              <a:solidFill>
-                <a:schemeClr val="accent5"/>
-              </a:solidFill>
-            </a:ln>
-          </p:spPr>
-          <p:style>
-            <a:lnRef idx="2">
-              <a:schemeClr val="accent1">
-                <a:shade val="50000"/>
-              </a:schemeClr>
-            </a:lnRef>
-            <a:fillRef idx="1">
-              <a:schemeClr val="accent1"/>
-            </a:fillRef>
-            <a:effectRef idx="0">
-              <a:schemeClr val="accent1"/>
-            </a:effectRef>
-            <a:fontRef idx="minor">
-              <a:schemeClr val="lt1"/>
-            </a:fontRef>
-          </p:style>
-          <p:txBody>
-            <a:bodyPr rtlCol="0" anchor="ctr"/>
-            <a:lstStyle/>
-            <a:p>
-              <a:pPr algn="ctr"/>
-              <a:r>
-                <a:rPr lang="en-US" dirty="0"/>
-                <a:t>Model 2: x1 and x2</a:t>
-              </a:r>
-            </a:p>
-          </p:txBody>
-        </p:sp>
-        <p:sp>
-          <p:nvSpPr>
-            <p:cNvPr id="30" name="Rectangle 29">
-              <a:extLst>
-                <a:ext uri="{FF2B5EF4-FFF2-40B4-BE49-F238E27FC236}">
-                  <a16:creationId xmlns:a16="http://schemas.microsoft.com/office/drawing/2014/main" id="{881F1416-5DCB-F5B2-EE91-B1078F0F33AA}"/>
-                </a:ext>
-              </a:extLst>
-            </p:cNvPr>
-            <p:cNvSpPr/>
-            <p:nvPr/>
-          </p:nvSpPr>
-          <p:spPr>
-            <a:xfrm>
-              <a:off x="6410135" y="4260666"/>
-              <a:ext cx="1914716" cy="508757"/>
-            </a:xfrm>
-            <a:prstGeom prst="rect">
-              <a:avLst/>
-            </a:prstGeom>
-            <a:solidFill>
-              <a:schemeClr val="accent6"/>
-            </a:solidFill>
-            <a:ln w="57150">
-              <a:solidFill>
-                <a:schemeClr val="accent6"/>
-              </a:solidFill>
-            </a:ln>
-          </p:spPr>
-          <p:style>
-            <a:lnRef idx="2">
-              <a:schemeClr val="accent1">
-                <a:shade val="50000"/>
-              </a:schemeClr>
-            </a:lnRef>
-            <a:fillRef idx="1">
-              <a:schemeClr val="accent1"/>
-            </a:fillRef>
-            <a:effectRef idx="0">
-              <a:schemeClr val="accent1"/>
-            </a:effectRef>
-            <a:fontRef idx="minor">
-              <a:schemeClr val="lt1"/>
-            </a:fontRef>
-          </p:style>
-          <p:txBody>
-            <a:bodyPr rtlCol="0" anchor="ctr"/>
-            <a:lstStyle/>
-            <a:p>
-              <a:pPr algn="ctr"/>
-              <a:r>
-                <a:rPr lang="en-US" dirty="0"/>
-                <a:t>Model 3: x3 only</a:t>
-              </a:r>
-            </a:p>
-          </p:txBody>
-        </p:sp>
-        <p:sp>
-          <p:nvSpPr>
-            <p:cNvPr id="31" name="Rectangle 30">
-              <a:extLst>
-                <a:ext uri="{FF2B5EF4-FFF2-40B4-BE49-F238E27FC236}">
-                  <a16:creationId xmlns:a16="http://schemas.microsoft.com/office/drawing/2014/main" id="{27D3435F-6757-3835-A94F-0F7CFA9752BA}"/>
-                </a:ext>
-              </a:extLst>
-            </p:cNvPr>
-            <p:cNvSpPr/>
-            <p:nvPr/>
-          </p:nvSpPr>
-          <p:spPr>
-            <a:xfrm>
-              <a:off x="8495273" y="4253506"/>
-              <a:ext cx="1923793" cy="508757"/>
+              <a:off x="8383153" y="5075852"/>
+              <a:ext cx="2034384" cy="508757"/>
             </a:xfrm>
             <a:prstGeom prst="rect">
               <a:avLst/>
@@ -16351,7 +18042,9 @@
             <a:p>
               <a:pPr algn="ctr"/>
               <a:r>
-                <a:rPr lang="en-US" dirty="0"/>
+                <a:rPr lang="en-US" dirty="0">
+                  <a:latin typeface="Lato" panose="020F0502020204030203" pitchFamily="34" charset="77"/>
+                </a:rPr>
                 <a:t>Model 4: x1, x2, x3</a:t>
               </a:r>
             </a:p>
@@ -16589,10 +18282,10 @@
       </p:sp>
       <p:grpSp>
         <p:nvGrpSpPr>
-          <p:cNvPr id="32" name="Group 31">
-            <a:extLst>
-              <a:ext uri="{FF2B5EF4-FFF2-40B4-BE49-F238E27FC236}">
-                <a16:creationId xmlns:a16="http://schemas.microsoft.com/office/drawing/2014/main" id="{D98F48B5-6B47-485F-F10F-F5CD2DC10B95}"/>
+          <p:cNvPr id="4" name="Group 3">
+            <a:extLst>
+              <a:ext uri="{FF2B5EF4-FFF2-40B4-BE49-F238E27FC236}">
+                <a16:creationId xmlns:a16="http://schemas.microsoft.com/office/drawing/2014/main" id="{872047E6-3132-FAEA-9A08-9C82098B08C7}"/>
               </a:ext>
             </a:extLst>
           </p:cNvPr>
@@ -16602,17 +18295,17 @@
         <p:grpSpPr>
           <a:xfrm>
             <a:off x="1156809" y="2571785"/>
-            <a:ext cx="9170319" cy="3019984"/>
-            <a:chOff x="1268929" y="1749439"/>
-            <a:chExt cx="9170319" cy="3019984"/>
+            <a:ext cx="9263669" cy="3767648"/>
+            <a:chOff x="1156809" y="2571785"/>
+            <a:chExt cx="9263669" cy="3767648"/>
           </a:xfrm>
         </p:grpSpPr>
         <p:grpSp>
           <p:nvGrpSpPr>
-            <p:cNvPr id="27" name="Group 26">
+            <p:cNvPr id="32" name="Group 31">
               <a:extLst>
                 <a:ext uri="{FF2B5EF4-FFF2-40B4-BE49-F238E27FC236}">
-                  <a16:creationId xmlns:a16="http://schemas.microsoft.com/office/drawing/2014/main" id="{4E1BF410-4244-274F-AD9F-A22FB5519AA9}"/>
+                  <a16:creationId xmlns:a16="http://schemas.microsoft.com/office/drawing/2014/main" id="{D98F48B5-6B47-485F-F10F-F5CD2DC10B95}"/>
                 </a:ext>
               </a:extLst>
             </p:cNvPr>
@@ -16621,48 +18314,277 @@
           </p:nvGrpSpPr>
           <p:grpSpPr>
             <a:xfrm>
-              <a:off x="1268929" y="1749439"/>
-              <a:ext cx="9170319" cy="2596203"/>
-              <a:chOff x="894578" y="2056285"/>
-              <a:chExt cx="9170319" cy="2596203"/>
+              <a:off x="1156809" y="2571785"/>
+              <a:ext cx="9263668" cy="3019984"/>
+              <a:chOff x="1268929" y="1749439"/>
+              <a:chExt cx="9263668" cy="3019984"/>
             </a:xfrm>
           </p:grpSpPr>
-          <p:pic>
-            <p:nvPicPr>
-              <p:cNvPr id="14" name="Picture 13">
+          <p:grpSp>
+            <p:nvGrpSpPr>
+              <p:cNvPr id="27" name="Group 26">
                 <a:extLst>
                   <a:ext uri="{FF2B5EF4-FFF2-40B4-BE49-F238E27FC236}">
-                    <a16:creationId xmlns:a16="http://schemas.microsoft.com/office/drawing/2014/main" id="{74A70ABA-6AD5-5BA6-3474-20C858503C2D}"/>
+                    <a16:creationId xmlns:a16="http://schemas.microsoft.com/office/drawing/2014/main" id="{4E1BF410-4244-274F-AD9F-A22FB5519AA9}"/>
                   </a:ext>
                 </a:extLst>
               </p:cNvPr>
-              <p:cNvPicPr>
-                <a:picLocks noChangeAspect="1"/>
-              </p:cNvPicPr>
+              <p:cNvGrpSpPr/>
               <p:nvPr/>
-            </p:nvPicPr>
-            <p:blipFill>
-              <a:blip r:embed="rId2"/>
-              <a:stretch>
-                <a:fillRect/>
-              </a:stretch>
-            </p:blipFill>
-            <p:spPr>
+            </p:nvGrpSpPr>
+            <p:grpSpPr>
               <a:xfrm>
-                <a:off x="894578" y="2056285"/>
-                <a:ext cx="9170319" cy="2596203"/>
+                <a:off x="1268929" y="1749439"/>
+                <a:ext cx="9263668" cy="2596203"/>
+                <a:chOff x="894578" y="2056285"/>
+                <a:chExt cx="9263668" cy="2596203"/>
               </a:xfrm>
-              <a:prstGeom prst="rect">
-                <a:avLst/>
-              </a:prstGeom>
-            </p:spPr>
-          </p:pic>
+            </p:grpSpPr>
+            <p:pic>
+              <p:nvPicPr>
+                <p:cNvPr id="14" name="Picture 13">
+                  <a:extLst>
+                    <a:ext uri="{FF2B5EF4-FFF2-40B4-BE49-F238E27FC236}">
+                      <a16:creationId xmlns:a16="http://schemas.microsoft.com/office/drawing/2014/main" id="{74A70ABA-6AD5-5BA6-3474-20C858503C2D}"/>
+                    </a:ext>
+                  </a:extLst>
+                </p:cNvPr>
+                <p:cNvPicPr>
+                  <a:picLocks noChangeAspect="1"/>
+                </p:cNvPicPr>
+                <p:nvPr/>
+              </p:nvPicPr>
+              <p:blipFill>
+                <a:blip r:embed="rId2"/>
+                <a:stretch>
+                  <a:fillRect/>
+                </a:stretch>
+              </p:blipFill>
+              <p:spPr>
+                <a:xfrm>
+                  <a:off x="894578" y="2056285"/>
+                  <a:ext cx="9170319" cy="2596203"/>
+                </a:xfrm>
+                <a:prstGeom prst="rect">
+                  <a:avLst/>
+                </a:prstGeom>
+              </p:spPr>
+            </p:pic>
+            <p:sp>
+              <p:nvSpPr>
+                <p:cNvPr id="16" name="Rectangle 15">
+                  <a:extLst>
+                    <a:ext uri="{FF2B5EF4-FFF2-40B4-BE49-F238E27FC236}">
+                      <a16:creationId xmlns:a16="http://schemas.microsoft.com/office/drawing/2014/main" id="{37FE0A29-51B1-5B34-8A1F-C81C62E612D2}"/>
+                    </a:ext>
+                  </a:extLst>
+                </p:cNvPr>
+                <p:cNvSpPr/>
+                <p:nvPr/>
+              </p:nvSpPr>
+              <p:spPr>
+                <a:xfrm>
+                  <a:off x="1791979" y="2740499"/>
+                  <a:ext cx="1914716" cy="1819834"/>
+                </a:xfrm>
+                <a:prstGeom prst="rect">
+                  <a:avLst/>
+                </a:prstGeom>
+                <a:noFill/>
+                <a:ln w="57150">
+                  <a:solidFill>
+                    <a:schemeClr val="accent4"/>
+                  </a:solidFill>
+                </a:ln>
+              </p:spPr>
+              <p:style>
+                <a:lnRef idx="2">
+                  <a:schemeClr val="accent1">
+                    <a:shade val="50000"/>
+                  </a:schemeClr>
+                </a:lnRef>
+                <a:fillRef idx="1">
+                  <a:schemeClr val="accent1"/>
+                </a:fillRef>
+                <a:effectRef idx="0">
+                  <a:schemeClr val="accent1"/>
+                </a:effectRef>
+                <a:fontRef idx="minor">
+                  <a:schemeClr val="lt1"/>
+                </a:fontRef>
+              </p:style>
+              <p:txBody>
+                <a:bodyPr rtlCol="0" anchor="ctr"/>
+                <a:lstStyle/>
+                <a:p>
+                  <a:pPr algn="ctr"/>
+                  <a:endParaRPr lang="en-US"/>
+                </a:p>
+              </p:txBody>
+            </p:sp>
+            <p:sp>
+              <p:nvSpPr>
+                <p:cNvPr id="20" name="Rectangle 19">
+                  <a:extLst>
+                    <a:ext uri="{FF2B5EF4-FFF2-40B4-BE49-F238E27FC236}">
+                      <a16:creationId xmlns:a16="http://schemas.microsoft.com/office/drawing/2014/main" id="{A6DC856B-C2B6-A88E-804F-5F40876246D2}"/>
+                    </a:ext>
+                  </a:extLst>
+                </p:cNvPr>
+                <p:cNvSpPr/>
+                <p:nvPr/>
+              </p:nvSpPr>
+              <p:spPr>
+                <a:xfrm>
+                  <a:off x="3852445" y="2746364"/>
+                  <a:ext cx="2069669" cy="1819834"/>
+                </a:xfrm>
+                <a:prstGeom prst="rect">
+                  <a:avLst/>
+                </a:prstGeom>
+                <a:noFill/>
+                <a:ln w="57150">
+                  <a:solidFill>
+                    <a:schemeClr val="accent5"/>
+                  </a:solidFill>
+                </a:ln>
+              </p:spPr>
+              <p:style>
+                <a:lnRef idx="2">
+                  <a:schemeClr val="accent1">
+                    <a:shade val="50000"/>
+                  </a:schemeClr>
+                </a:lnRef>
+                <a:fillRef idx="1">
+                  <a:schemeClr val="accent1"/>
+                </a:fillRef>
+                <a:effectRef idx="0">
+                  <a:schemeClr val="accent1"/>
+                </a:effectRef>
+                <a:fontRef idx="minor">
+                  <a:schemeClr val="lt1"/>
+                </a:fontRef>
+              </p:style>
+              <p:txBody>
+                <a:bodyPr rtlCol="0" anchor="ctr"/>
+                <a:lstStyle/>
+                <a:p>
+                  <a:pPr algn="ctr"/>
+                  <a:endParaRPr lang="en-US"/>
+                </a:p>
+              </p:txBody>
+            </p:sp>
+            <p:sp>
+              <p:nvSpPr>
+                <p:cNvPr id="24" name="Rectangle 23">
+                  <a:extLst>
+                    <a:ext uri="{FF2B5EF4-FFF2-40B4-BE49-F238E27FC236}">
+                      <a16:creationId xmlns:a16="http://schemas.microsoft.com/office/drawing/2014/main" id="{EEDD44E8-6F23-0FD1-B1BC-E3DB23BE7DFF}"/>
+                    </a:ext>
+                  </a:extLst>
+                </p:cNvPr>
+                <p:cNvSpPr/>
+                <p:nvPr/>
+              </p:nvSpPr>
+              <p:spPr>
+                <a:xfrm>
+                  <a:off x="6035784" y="2746364"/>
+                  <a:ext cx="1917656" cy="1819834"/>
+                </a:xfrm>
+                <a:prstGeom prst="rect">
+                  <a:avLst/>
+                </a:prstGeom>
+                <a:noFill/>
+                <a:ln w="57150">
+                  <a:solidFill>
+                    <a:schemeClr val="accent6"/>
+                  </a:solidFill>
+                </a:ln>
+              </p:spPr>
+              <p:style>
+                <a:lnRef idx="2">
+                  <a:schemeClr val="accent1">
+                    <a:shade val="50000"/>
+                  </a:schemeClr>
+                </a:lnRef>
+                <a:fillRef idx="1">
+                  <a:schemeClr val="accent1"/>
+                </a:fillRef>
+                <a:effectRef idx="0">
+                  <a:schemeClr val="accent1"/>
+                </a:effectRef>
+                <a:fontRef idx="minor">
+                  <a:schemeClr val="lt1"/>
+                </a:fontRef>
+              </p:style>
+              <p:txBody>
+                <a:bodyPr rtlCol="0" anchor="ctr"/>
+                <a:lstStyle/>
+                <a:p>
+                  <a:pPr algn="ctr"/>
+                  <a:endParaRPr lang="en-US"/>
+                </a:p>
+              </p:txBody>
+            </p:sp>
+            <p:sp>
+              <p:nvSpPr>
+                <p:cNvPr id="26" name="Rectangle 25">
+                  <a:extLst>
+                    <a:ext uri="{FF2B5EF4-FFF2-40B4-BE49-F238E27FC236}">
+                      <a16:creationId xmlns:a16="http://schemas.microsoft.com/office/drawing/2014/main" id="{33367014-13C2-CFA2-ED4F-BB1D8830585D}"/>
+                    </a:ext>
+                  </a:extLst>
+                </p:cNvPr>
+                <p:cNvSpPr/>
+                <p:nvPr/>
+              </p:nvSpPr>
+              <p:spPr>
+                <a:xfrm>
+                  <a:off x="8127059" y="2746364"/>
+                  <a:ext cx="2031187" cy="1819834"/>
+                </a:xfrm>
+                <a:prstGeom prst="rect">
+                  <a:avLst/>
+                </a:prstGeom>
+                <a:noFill/>
+                <a:ln w="57150">
+                  <a:solidFill>
+                    <a:srgbClr val="F18031"/>
+                  </a:solidFill>
+                </a:ln>
+              </p:spPr>
+              <p:style>
+                <a:lnRef idx="2">
+                  <a:schemeClr val="accent1">
+                    <a:shade val="50000"/>
+                  </a:schemeClr>
+                </a:lnRef>
+                <a:fillRef idx="1">
+                  <a:schemeClr val="accent1"/>
+                </a:fillRef>
+                <a:effectRef idx="0">
+                  <a:schemeClr val="accent1"/>
+                </a:effectRef>
+                <a:fontRef idx="minor">
+                  <a:schemeClr val="lt1"/>
+                </a:fontRef>
+              </p:style>
+              <p:txBody>
+                <a:bodyPr rtlCol="0" anchor="ctr"/>
+                <a:lstStyle/>
+                <a:p>
+                  <a:pPr algn="ctr"/>
+                  <a:endParaRPr lang="en-US"/>
+                </a:p>
+              </p:txBody>
+            </p:sp>
+          </p:grpSp>
           <p:sp>
             <p:nvSpPr>
-              <p:cNvPr id="16" name="Rectangle 15">
+              <p:cNvPr id="28" name="Rectangle 27">
                 <a:extLst>
                   <a:ext uri="{FF2B5EF4-FFF2-40B4-BE49-F238E27FC236}">
-                    <a16:creationId xmlns:a16="http://schemas.microsoft.com/office/drawing/2014/main" id="{37FE0A29-51B1-5B34-8A1F-C81C62E612D2}"/>
+                    <a16:creationId xmlns:a16="http://schemas.microsoft.com/office/drawing/2014/main" id="{E6C9212C-473D-9449-D561-96F3D8880B5B}"/>
                   </a:ext>
                 </a:extLst>
               </p:cNvPr>
@@ -16671,13 +18593,15 @@
             </p:nvSpPr>
             <p:spPr>
               <a:xfrm>
-                <a:off x="1791979" y="2740499"/>
-                <a:ext cx="1914716" cy="1819834"/>
+                <a:off x="2166330" y="4253487"/>
+                <a:ext cx="1914716" cy="508757"/>
               </a:xfrm>
               <a:prstGeom prst="rect">
                 <a:avLst/>
               </a:prstGeom>
-              <a:noFill/>
+              <a:solidFill>
+                <a:schemeClr val="accent4"/>
+              </a:solidFill>
               <a:ln w="57150">
                 <a:solidFill>
                   <a:schemeClr val="accent4"/>
@@ -16705,16 +18629,21 @@
               <a:lstStyle/>
               <a:p>
                 <a:pPr algn="ctr"/>
-                <a:endParaRPr lang="en-US"/>
+                <a:r>
+                  <a:rPr lang="en-US" dirty="0">
+                    <a:latin typeface="Lato" panose="020F0502020204030203" pitchFamily="34" charset="77"/>
+                  </a:rPr>
+                  <a:t>Model 1: x1 only</a:t>
+                </a:r>
               </a:p>
             </p:txBody>
           </p:sp>
           <p:sp>
             <p:nvSpPr>
-              <p:cNvPr id="20" name="Rectangle 19">
+              <p:cNvPr id="29" name="Rectangle 28">
                 <a:extLst>
                   <a:ext uri="{FF2B5EF4-FFF2-40B4-BE49-F238E27FC236}">
-                    <a16:creationId xmlns:a16="http://schemas.microsoft.com/office/drawing/2014/main" id="{A6DC856B-C2B6-A88E-804F-5F40876246D2}"/>
+                    <a16:creationId xmlns:a16="http://schemas.microsoft.com/office/drawing/2014/main" id="{9DCB2D41-2E80-3B94-750B-DCC6F5A5589B}"/>
                   </a:ext>
                 </a:extLst>
               </p:cNvPr>
@@ -16723,13 +18652,15 @@
             </p:nvSpPr>
             <p:spPr>
               <a:xfrm>
-                <a:off x="3852445" y="2746364"/>
-                <a:ext cx="2069669" cy="1819834"/>
+                <a:off x="4226796" y="4255552"/>
+                <a:ext cx="2069668" cy="508757"/>
               </a:xfrm>
               <a:prstGeom prst="rect">
                 <a:avLst/>
               </a:prstGeom>
-              <a:noFill/>
+              <a:solidFill>
+                <a:schemeClr val="accent5"/>
+              </a:solidFill>
               <a:ln w="57150">
                 <a:solidFill>
                   <a:schemeClr val="accent5"/>
@@ -16757,16 +18688,21 @@
               <a:lstStyle/>
               <a:p>
                 <a:pPr algn="ctr"/>
-                <a:endParaRPr lang="en-US"/>
+                <a:r>
+                  <a:rPr lang="en-US" dirty="0">
+                    <a:latin typeface="Lato" panose="020F0502020204030203" pitchFamily="34" charset="77"/>
+                  </a:rPr>
+                  <a:t>Model 2: x1 and x2</a:t>
+                </a:r>
               </a:p>
             </p:txBody>
           </p:sp>
           <p:sp>
             <p:nvSpPr>
-              <p:cNvPr id="24" name="Rectangle 23">
+              <p:cNvPr id="30" name="Rectangle 29">
                 <a:extLst>
                   <a:ext uri="{FF2B5EF4-FFF2-40B4-BE49-F238E27FC236}">
-                    <a16:creationId xmlns:a16="http://schemas.microsoft.com/office/drawing/2014/main" id="{EEDD44E8-6F23-0FD1-B1BC-E3DB23BE7DFF}"/>
+                    <a16:creationId xmlns:a16="http://schemas.microsoft.com/office/drawing/2014/main" id="{881F1416-5DCB-F5B2-EE91-B1078F0F33AA}"/>
                   </a:ext>
                 </a:extLst>
               </p:cNvPr>
@@ -16775,13 +18711,15 @@
             </p:nvSpPr>
             <p:spPr>
               <a:xfrm>
-                <a:off x="6035784" y="2746364"/>
-                <a:ext cx="1917656" cy="1819834"/>
+                <a:off x="6410135" y="4260666"/>
+                <a:ext cx="1914716" cy="508757"/>
               </a:xfrm>
               <a:prstGeom prst="rect">
                 <a:avLst/>
               </a:prstGeom>
-              <a:noFill/>
+              <a:solidFill>
+                <a:schemeClr val="accent6"/>
+              </a:solidFill>
               <a:ln w="57150">
                 <a:solidFill>
                   <a:schemeClr val="accent6"/>
@@ -16809,16 +18747,21 @@
               <a:lstStyle/>
               <a:p>
                 <a:pPr algn="ctr"/>
-                <a:endParaRPr lang="en-US"/>
+                <a:r>
+                  <a:rPr lang="en-US" dirty="0">
+                    <a:latin typeface="Lato" panose="020F0502020204030203" pitchFamily="34" charset="77"/>
+                  </a:rPr>
+                  <a:t>Model 3: x3 only</a:t>
+                </a:r>
               </a:p>
             </p:txBody>
           </p:sp>
           <p:sp>
             <p:nvSpPr>
-              <p:cNvPr id="26" name="Rectangle 25">
+              <p:cNvPr id="31" name="Rectangle 30">
                 <a:extLst>
                   <a:ext uri="{FF2B5EF4-FFF2-40B4-BE49-F238E27FC236}">
-                    <a16:creationId xmlns:a16="http://schemas.microsoft.com/office/drawing/2014/main" id="{33367014-13C2-CFA2-ED4F-BB1D8830585D}"/>
+                    <a16:creationId xmlns:a16="http://schemas.microsoft.com/office/drawing/2014/main" id="{27D3435F-6757-3835-A94F-0F7CFA9752BA}"/>
                   </a:ext>
                 </a:extLst>
               </p:cNvPr>
@@ -16827,13 +18770,15 @@
             </p:nvSpPr>
             <p:spPr>
               <a:xfrm>
-                <a:off x="8127060" y="2746364"/>
-                <a:ext cx="1917656" cy="1819834"/>
+                <a:off x="8495273" y="4253506"/>
+                <a:ext cx="2034384" cy="508757"/>
               </a:xfrm>
               <a:prstGeom prst="rect">
                 <a:avLst/>
               </a:prstGeom>
-              <a:noFill/>
+              <a:solidFill>
+                <a:srgbClr val="F18031"/>
+              </a:solidFill>
               <a:ln w="57150">
                 <a:solidFill>
                   <a:srgbClr val="F18031"/>
@@ -16861,17 +18806,22 @@
               <a:lstStyle/>
               <a:p>
                 <a:pPr algn="ctr"/>
-                <a:endParaRPr lang="en-US"/>
+                <a:r>
+                  <a:rPr lang="en-US" dirty="0">
+                    <a:latin typeface="Lato" panose="020F0502020204030203" pitchFamily="34" charset="77"/>
+                  </a:rPr>
+                  <a:t>Model 4: x1, x2, x3</a:t>
+                </a:r>
               </a:p>
             </p:txBody>
           </p:sp>
         </p:grpSp>
         <p:sp>
           <p:nvSpPr>
-            <p:cNvPr id="28" name="Rectangle 27">
+            <p:cNvPr id="5" name="Rectangle 4">
               <a:extLst>
                 <a:ext uri="{FF2B5EF4-FFF2-40B4-BE49-F238E27FC236}">
-                  <a16:creationId xmlns:a16="http://schemas.microsoft.com/office/drawing/2014/main" id="{E6C9212C-473D-9449-D561-96F3D8880B5B}"/>
+                  <a16:creationId xmlns:a16="http://schemas.microsoft.com/office/drawing/2014/main" id="{75E2874B-F6A8-67CD-8A36-3F13B5CF51BA}"/>
                 </a:ext>
               </a:extLst>
             </p:cNvPr>
@@ -16880,72 +18830,13 @@
           </p:nvSpPr>
           <p:spPr>
             <a:xfrm>
-              <a:off x="2166330" y="4253487"/>
-              <a:ext cx="1914716" cy="508757"/>
+              <a:off x="4114676" y="5606216"/>
+              <a:ext cx="2069668" cy="733216"/>
             </a:xfrm>
             <a:prstGeom prst="rect">
               <a:avLst/>
             </a:prstGeom>
-            <a:solidFill>
-              <a:schemeClr val="accent4"/>
-            </a:solidFill>
-            <a:ln w="57150">
-              <a:solidFill>
-                <a:schemeClr val="accent4"/>
-              </a:solidFill>
-            </a:ln>
-          </p:spPr>
-          <p:style>
-            <a:lnRef idx="2">
-              <a:schemeClr val="accent1">
-                <a:shade val="50000"/>
-              </a:schemeClr>
-            </a:lnRef>
-            <a:fillRef idx="1">
-              <a:schemeClr val="accent1"/>
-            </a:fillRef>
-            <a:effectRef idx="0">
-              <a:schemeClr val="accent1"/>
-            </a:effectRef>
-            <a:fontRef idx="minor">
-              <a:schemeClr val="lt1"/>
-            </a:fontRef>
-          </p:style>
-          <p:txBody>
-            <a:bodyPr rtlCol="0" anchor="ctr"/>
-            <a:lstStyle/>
-            <a:p>
-              <a:pPr algn="ctr"/>
-              <a:r>
-                <a:rPr lang="en-US" dirty="0"/>
-                <a:t>Model 1: x1 only</a:t>
-              </a:r>
-            </a:p>
-          </p:txBody>
-        </p:sp>
-        <p:sp>
-          <p:nvSpPr>
-            <p:cNvPr id="29" name="Rectangle 28">
-              <a:extLst>
-                <a:ext uri="{FF2B5EF4-FFF2-40B4-BE49-F238E27FC236}">
-                  <a16:creationId xmlns:a16="http://schemas.microsoft.com/office/drawing/2014/main" id="{9DCB2D41-2E80-3B94-750B-DCC6F5A5589B}"/>
-                </a:ext>
-              </a:extLst>
-            </p:cNvPr>
-            <p:cNvSpPr/>
-            <p:nvPr/>
-          </p:nvSpPr>
-          <p:spPr>
-            <a:xfrm>
-              <a:off x="4226796" y="4255552"/>
-              <a:ext cx="2069668" cy="508757"/>
-            </a:xfrm>
-            <a:prstGeom prst="rect">
-              <a:avLst/>
-            </a:prstGeom>
-            <a:solidFill>
-              <a:schemeClr val="accent5"/>
-            </a:solidFill>
+            <a:noFill/>
             <a:ln w="57150">
               <a:solidFill>
                 <a:schemeClr val="accent5"/>
@@ -16974,18 +18865,23 @@
             <a:p>
               <a:pPr algn="ctr"/>
               <a:r>
-                <a:rPr lang="en-US" dirty="0"/>
-                <a:t>Model 2: x1 and x2</a:t>
+                <a:rPr lang="en-US" dirty="0">
+                  <a:solidFill>
+                    <a:schemeClr val="tx1"/>
+                  </a:solidFill>
+                  <a:latin typeface="Lato" panose="020F0502020204030203" pitchFamily="34" charset="77"/>
+                </a:rPr>
+                <a:t>Large coefficients and SE</a:t>
               </a:r>
             </a:p>
           </p:txBody>
         </p:sp>
         <p:sp>
           <p:nvSpPr>
-            <p:cNvPr id="30" name="Rectangle 29">
+            <p:cNvPr id="7" name="Rectangle 6">
               <a:extLst>
                 <a:ext uri="{FF2B5EF4-FFF2-40B4-BE49-F238E27FC236}">
-                  <a16:creationId xmlns:a16="http://schemas.microsoft.com/office/drawing/2014/main" id="{881F1416-5DCB-F5B2-EE91-B1078F0F33AA}"/>
+                  <a16:creationId xmlns:a16="http://schemas.microsoft.com/office/drawing/2014/main" id="{AAAD36D2-2C86-EC5D-4176-A03ECCF8F8BC}"/>
                 </a:ext>
               </a:extLst>
             </p:cNvPr>
@@ -16994,15 +18890,13 @@
           </p:nvSpPr>
           <p:spPr>
             <a:xfrm>
-              <a:off x="6410135" y="4260666"/>
-              <a:ext cx="1914716" cy="508757"/>
+              <a:off x="6298015" y="5609323"/>
+              <a:ext cx="1914716" cy="730110"/>
             </a:xfrm>
             <a:prstGeom prst="rect">
               <a:avLst/>
             </a:prstGeom>
-            <a:solidFill>
-              <a:schemeClr val="accent6"/>
-            </a:solidFill>
+            <a:noFill/>
             <a:ln w="57150">
               <a:solidFill>
                 <a:schemeClr val="accent6"/>
@@ -17031,18 +18925,23 @@
             <a:p>
               <a:pPr algn="ctr"/>
               <a:r>
-                <a:rPr lang="en-US" dirty="0"/>
-                <a:t>Model 3: x3 only</a:t>
+                <a:rPr lang="en-US" dirty="0">
+                  <a:solidFill>
+                    <a:schemeClr val="tx1"/>
+                  </a:solidFill>
+                  <a:latin typeface="Lato" panose="020F0502020204030203" pitchFamily="34" charset="77"/>
+                </a:rPr>
+                <a:t>Large SE</a:t>
               </a:r>
             </a:p>
           </p:txBody>
         </p:sp>
         <p:sp>
           <p:nvSpPr>
-            <p:cNvPr id="31" name="Rectangle 30">
+            <p:cNvPr id="9" name="Rectangle 8">
               <a:extLst>
                 <a:ext uri="{FF2B5EF4-FFF2-40B4-BE49-F238E27FC236}">
-                  <a16:creationId xmlns:a16="http://schemas.microsoft.com/office/drawing/2014/main" id="{27D3435F-6757-3835-A94F-0F7CFA9752BA}"/>
+                  <a16:creationId xmlns:a16="http://schemas.microsoft.com/office/drawing/2014/main" id="{3933E25D-2DC8-5EB6-8709-6F3741CF6631}"/>
                 </a:ext>
               </a:extLst>
             </p:cNvPr>
@@ -17051,15 +18950,13 @@
           </p:nvSpPr>
           <p:spPr>
             <a:xfrm>
-              <a:off x="8495273" y="4253506"/>
-              <a:ext cx="1923793" cy="508757"/>
+              <a:off x="8386094" y="5606215"/>
+              <a:ext cx="2034384" cy="730110"/>
             </a:xfrm>
             <a:prstGeom prst="rect">
               <a:avLst/>
             </a:prstGeom>
-            <a:solidFill>
-              <a:srgbClr val="F18031"/>
-            </a:solidFill>
+            <a:noFill/>
             <a:ln w="57150">
               <a:solidFill>
                 <a:srgbClr val="F18031"/>
@@ -17088,190 +18985,18 @@
             <a:p>
               <a:pPr algn="ctr"/>
               <a:r>
-                <a:rPr lang="en-US" dirty="0"/>
-                <a:t>Model 4: x1, x2, x3</a:t>
+                <a:rPr lang="en-US" dirty="0">
+                  <a:solidFill>
+                    <a:schemeClr val="tx1"/>
+                  </a:solidFill>
+                  <a:latin typeface="Lato" panose="020F0502020204030203" pitchFamily="34" charset="77"/>
+                </a:rPr>
+                <a:t>Large coefficients and SE</a:t>
               </a:r>
             </a:p>
           </p:txBody>
         </p:sp>
       </p:grpSp>
-      <p:sp>
-        <p:nvSpPr>
-          <p:cNvPr id="5" name="Rectangle 4">
-            <a:extLst>
-              <a:ext uri="{FF2B5EF4-FFF2-40B4-BE49-F238E27FC236}">
-                <a16:creationId xmlns:a16="http://schemas.microsoft.com/office/drawing/2014/main" id="{75E2874B-F6A8-67CD-8A36-3F13B5CF51BA}"/>
-              </a:ext>
-            </a:extLst>
-          </p:cNvPr>
-          <p:cNvSpPr/>
-          <p:nvPr/>
-        </p:nvSpPr>
-        <p:spPr>
-          <a:xfrm>
-            <a:off x="4114676" y="5606216"/>
-            <a:ext cx="2069668" cy="733216"/>
-          </a:xfrm>
-          <a:prstGeom prst="rect">
-            <a:avLst/>
-          </a:prstGeom>
-          <a:noFill/>
-          <a:ln w="57150">
-            <a:solidFill>
-              <a:schemeClr val="accent5"/>
-            </a:solidFill>
-          </a:ln>
-        </p:spPr>
-        <p:style>
-          <a:lnRef idx="2">
-            <a:schemeClr val="accent1">
-              <a:shade val="50000"/>
-            </a:schemeClr>
-          </a:lnRef>
-          <a:fillRef idx="1">
-            <a:schemeClr val="accent1"/>
-          </a:fillRef>
-          <a:effectRef idx="0">
-            <a:schemeClr val="accent1"/>
-          </a:effectRef>
-          <a:fontRef idx="minor">
-            <a:schemeClr val="lt1"/>
-          </a:fontRef>
-        </p:style>
-        <p:txBody>
-          <a:bodyPr rtlCol="0" anchor="ctr"/>
-          <a:lstStyle/>
-          <a:p>
-            <a:pPr algn="ctr"/>
-            <a:r>
-              <a:rPr lang="en-US" dirty="0">
-                <a:solidFill>
-                  <a:schemeClr val="tx1"/>
-                </a:solidFill>
-              </a:rPr>
-              <a:t>Large coefficients and SE</a:t>
-            </a:r>
-          </a:p>
-        </p:txBody>
-      </p:sp>
-      <p:sp>
-        <p:nvSpPr>
-          <p:cNvPr id="7" name="Rectangle 6">
-            <a:extLst>
-              <a:ext uri="{FF2B5EF4-FFF2-40B4-BE49-F238E27FC236}">
-                <a16:creationId xmlns:a16="http://schemas.microsoft.com/office/drawing/2014/main" id="{AAAD36D2-2C86-EC5D-4176-A03ECCF8F8BC}"/>
-              </a:ext>
-            </a:extLst>
-          </p:cNvPr>
-          <p:cNvSpPr/>
-          <p:nvPr/>
-        </p:nvSpPr>
-        <p:spPr>
-          <a:xfrm>
-            <a:off x="6298015" y="5609323"/>
-            <a:ext cx="1914716" cy="730110"/>
-          </a:xfrm>
-          <a:prstGeom prst="rect">
-            <a:avLst/>
-          </a:prstGeom>
-          <a:noFill/>
-          <a:ln w="57150">
-            <a:solidFill>
-              <a:schemeClr val="accent6"/>
-            </a:solidFill>
-          </a:ln>
-        </p:spPr>
-        <p:style>
-          <a:lnRef idx="2">
-            <a:schemeClr val="accent1">
-              <a:shade val="50000"/>
-            </a:schemeClr>
-          </a:lnRef>
-          <a:fillRef idx="1">
-            <a:schemeClr val="accent1"/>
-          </a:fillRef>
-          <a:effectRef idx="0">
-            <a:schemeClr val="accent1"/>
-          </a:effectRef>
-          <a:fontRef idx="minor">
-            <a:schemeClr val="lt1"/>
-          </a:fontRef>
-        </p:style>
-        <p:txBody>
-          <a:bodyPr rtlCol="0" anchor="ctr"/>
-          <a:lstStyle/>
-          <a:p>
-            <a:pPr algn="ctr"/>
-            <a:r>
-              <a:rPr lang="en-US" dirty="0">
-                <a:solidFill>
-                  <a:schemeClr val="tx1"/>
-                </a:solidFill>
-              </a:rPr>
-              <a:t>Large SE</a:t>
-            </a:r>
-          </a:p>
-        </p:txBody>
-      </p:sp>
-      <p:sp>
-        <p:nvSpPr>
-          <p:cNvPr id="9" name="Rectangle 8">
-            <a:extLst>
-              <a:ext uri="{FF2B5EF4-FFF2-40B4-BE49-F238E27FC236}">
-                <a16:creationId xmlns:a16="http://schemas.microsoft.com/office/drawing/2014/main" id="{3933E25D-2DC8-5EB6-8709-6F3741CF6631}"/>
-              </a:ext>
-            </a:extLst>
-          </p:cNvPr>
-          <p:cNvSpPr/>
-          <p:nvPr/>
-        </p:nvSpPr>
-        <p:spPr>
-          <a:xfrm>
-            <a:off x="8386094" y="5606215"/>
-            <a:ext cx="1923794" cy="730110"/>
-          </a:xfrm>
-          <a:prstGeom prst="rect">
-            <a:avLst/>
-          </a:prstGeom>
-          <a:noFill/>
-          <a:ln w="57150">
-            <a:solidFill>
-              <a:srgbClr val="F18031"/>
-            </a:solidFill>
-          </a:ln>
-        </p:spPr>
-        <p:style>
-          <a:lnRef idx="2">
-            <a:schemeClr val="accent1">
-              <a:shade val="50000"/>
-            </a:schemeClr>
-          </a:lnRef>
-          <a:fillRef idx="1">
-            <a:schemeClr val="accent1"/>
-          </a:fillRef>
-          <a:effectRef idx="0">
-            <a:schemeClr val="accent1"/>
-          </a:effectRef>
-          <a:fontRef idx="minor">
-            <a:schemeClr val="lt1"/>
-          </a:fontRef>
-        </p:style>
-        <p:txBody>
-          <a:bodyPr rtlCol="0" anchor="ctr"/>
-          <a:lstStyle/>
-          <a:p>
-            <a:pPr algn="ctr"/>
-            <a:r>
-              <a:rPr lang="en-US" dirty="0">
-                <a:solidFill>
-                  <a:schemeClr val="tx1"/>
-                </a:solidFill>
-              </a:rPr>
-              <a:t>Large coefficients and SE</a:t>
-            </a:r>
-          </a:p>
-        </p:txBody>
-      </p:sp>
     </p:spTree>
     <p:extLst>
       <p:ext uri="{BB962C8B-B14F-4D97-AF65-F5344CB8AC3E}">
@@ -21609,7 +23334,7 @@
             <a:noFill/>
             <a:ln w="76200">
               <a:solidFill>
-                <a:schemeClr val="accent2"/>
+                <a:schemeClr val="tx2"/>
               </a:solidFill>
             </a:ln>
           </p:spPr>
@@ -21764,11 +23489,11 @@
               <a:avLst/>
             </a:prstGeom>
             <a:solidFill>
-              <a:schemeClr val="tx2"/>
+              <a:srgbClr val="C2342F"/>
             </a:solidFill>
             <a:ln w="76200">
               <a:solidFill>
-                <a:schemeClr val="accent2"/>
+                <a:schemeClr val="tx2"/>
               </a:solidFill>
             </a:ln>
           </p:spPr>
@@ -22314,7 +24039,7 @@
 <file path=ppt/theme/theme1.xml><?xml version="1.0" encoding="utf-8"?>
 <a:theme xmlns:a="http://schemas.openxmlformats.org/drawingml/2006/main" name="BSTA513-613_slides">
   <a:themeElements>
-    <a:clrScheme name="OHSU-PSU 1">
+    <a:clrScheme name="Custom 4">
       <a:dk1>
         <a:srgbClr val="000000"/>
       </a:dk1>
@@ -22322,31 +24047,31 @@
         <a:srgbClr val="FFFFFF"/>
       </a:lt1>
       <a:dk2>
-        <a:srgbClr val="004832"/>
+        <a:srgbClr val="C2342F"/>
       </a:dk2>
       <a:lt2>
         <a:srgbClr val="E7E6E6"/>
       </a:lt2>
       <a:accent1>
-        <a:srgbClr val="193D78"/>
+        <a:srgbClr val="4472C4"/>
       </a:accent1>
       <a:accent2>
-        <a:srgbClr val="004832"/>
+        <a:srgbClr val="ED7D31"/>
       </a:accent2>
       <a:accent3>
-        <a:srgbClr val="A5A5A5"/>
+        <a:srgbClr val="D6285E"/>
       </a:accent3>
       <a:accent4>
-        <a:srgbClr val="F7CB25"/>
+        <a:srgbClr val="F6C341"/>
       </a:accent4>
       <a:accent5>
-        <a:srgbClr val="49A3D1"/>
+        <a:srgbClr val="5B9BD5"/>
       </a:accent5>
       <a:accent6>
-        <a:srgbClr val="4EA627"/>
+        <a:srgbClr val="70AD47"/>
       </a:accent6>
       <a:hlink>
-        <a:srgbClr val="F18032"/>
+        <a:srgbClr val="0563C1"/>
       </a:hlink>
       <a:folHlink>
         <a:srgbClr val="954F72"/>
